--- a/CLASS/Function-call.pptx
+++ b/CLASS/Function-call.pptx
@@ -5,7 +5,7 @@
     <p:sldMasterId id="2147483648" r:id="rId1"/>
   </p:sldMasterIdLst>
   <p:notesMasterIdLst>
-    <p:notesMasterId r:id="rId8"/>
+    <p:notesMasterId r:id="rId10"/>
   </p:notesMasterIdLst>
   <p:sldIdLst>
     <p:sldId id="256" r:id="rId2"/>
@@ -14,6 +14,8 @@
     <p:sldId id="259" r:id="rId5"/>
     <p:sldId id="260" r:id="rId6"/>
     <p:sldId id="261" r:id="rId7"/>
+    <p:sldId id="262" r:id="rId8"/>
+    <p:sldId id="263" r:id="rId9"/>
   </p:sldIdLst>
   <p:sldSz cx="12192000" cy="6858000"/>
   <p:notesSz cx="6858000" cy="9144000"/>
@@ -120,6 +122,3797 @@
 </p:presentation>
 </file>
 
+<file path=ppt/commentAuthors.xml><?xml version="1.0" encoding="utf-8"?>
+<p:cmAuthorLst xmlns:a="http://schemas.openxmlformats.org/drawingml/2006/main" xmlns:r="http://schemas.openxmlformats.org/officeDocument/2006/relationships" xmlns:p="http://schemas.openxmlformats.org/presentationml/2006/main">
+  <p:cmAuthor id="1" name="Badrinath R" initials="BR" lastIdx="0" clrIdx="0">
+    <p:extLst>
+      <p:ext uri="{19B8F6BF-5375-455C-9EA6-DF929625EA0E}">
+        <p15:presenceInfo xmlns:p15="http://schemas.microsoft.com/office/powerpoint/2012/main" userId="Badrinath R" providerId="None"/>
+      </p:ext>
+    </p:extLst>
+  </p:cmAuthor>
+</p:cmAuthorLst>
+</file>
+
+<file path=ppt/diagrams/colors1.xml><?xml version="1.0" encoding="utf-8"?>
+<dgm:colorsDef xmlns:dgm="http://schemas.openxmlformats.org/drawingml/2006/diagram" xmlns:a="http://schemas.openxmlformats.org/drawingml/2006/main" uniqueId="urn:microsoft.com/office/officeart/2005/8/colors/accent1_2">
+  <dgm:title val=""/>
+  <dgm:desc val=""/>
+  <dgm:catLst>
+    <dgm:cat type="accent1" pri="11200"/>
+  </dgm:catLst>
+  <dgm:styleLbl name="node0">
+    <dgm:fillClrLst meth="repeat">
+      <a:schemeClr val="accent1"/>
+    </dgm:fillClrLst>
+    <dgm:linClrLst meth="repeat">
+      <a:schemeClr val="lt1"/>
+    </dgm:linClrLst>
+    <dgm:effectClrLst/>
+    <dgm:txLinClrLst/>
+    <dgm:txFillClrLst/>
+    <dgm:txEffectClrLst/>
+  </dgm:styleLbl>
+  <dgm:styleLbl name="alignNode1">
+    <dgm:fillClrLst meth="repeat">
+      <a:schemeClr val="accent1"/>
+    </dgm:fillClrLst>
+    <dgm:linClrLst meth="repeat">
+      <a:schemeClr val="accent1"/>
+    </dgm:linClrLst>
+    <dgm:effectClrLst/>
+    <dgm:txLinClrLst/>
+    <dgm:txFillClrLst/>
+    <dgm:txEffectClrLst/>
+  </dgm:styleLbl>
+  <dgm:styleLbl name="node1">
+    <dgm:fillClrLst meth="repeat">
+      <a:schemeClr val="accent1"/>
+    </dgm:fillClrLst>
+    <dgm:linClrLst meth="repeat">
+      <a:schemeClr val="lt1"/>
+    </dgm:linClrLst>
+    <dgm:effectClrLst/>
+    <dgm:txLinClrLst/>
+    <dgm:txFillClrLst/>
+    <dgm:txEffectClrLst/>
+  </dgm:styleLbl>
+  <dgm:styleLbl name="lnNode1">
+    <dgm:fillClrLst meth="repeat">
+      <a:schemeClr val="accent1"/>
+    </dgm:fillClrLst>
+    <dgm:linClrLst meth="repeat">
+      <a:schemeClr val="lt1"/>
+    </dgm:linClrLst>
+    <dgm:effectClrLst/>
+    <dgm:txLinClrLst/>
+    <dgm:txFillClrLst/>
+    <dgm:txEffectClrLst/>
+  </dgm:styleLbl>
+  <dgm:styleLbl name="vennNode1">
+    <dgm:fillClrLst meth="repeat">
+      <a:schemeClr val="accent1">
+        <a:alpha val="50000"/>
+      </a:schemeClr>
+    </dgm:fillClrLst>
+    <dgm:linClrLst meth="repeat">
+      <a:schemeClr val="lt1"/>
+    </dgm:linClrLst>
+    <dgm:effectClrLst/>
+    <dgm:txLinClrLst/>
+    <dgm:txFillClrLst/>
+    <dgm:txEffectClrLst/>
+  </dgm:styleLbl>
+  <dgm:styleLbl name="node2">
+    <dgm:fillClrLst meth="repeat">
+      <a:schemeClr val="accent1"/>
+    </dgm:fillClrLst>
+    <dgm:linClrLst meth="repeat">
+      <a:schemeClr val="lt1"/>
+    </dgm:linClrLst>
+    <dgm:effectClrLst/>
+    <dgm:txLinClrLst/>
+    <dgm:txFillClrLst/>
+    <dgm:txEffectClrLst/>
+  </dgm:styleLbl>
+  <dgm:styleLbl name="node3">
+    <dgm:fillClrLst meth="repeat">
+      <a:schemeClr val="accent1"/>
+    </dgm:fillClrLst>
+    <dgm:linClrLst meth="repeat">
+      <a:schemeClr val="lt1"/>
+    </dgm:linClrLst>
+    <dgm:effectClrLst/>
+    <dgm:txLinClrLst/>
+    <dgm:txFillClrLst/>
+    <dgm:txEffectClrLst/>
+  </dgm:styleLbl>
+  <dgm:styleLbl name="node4">
+    <dgm:fillClrLst meth="repeat">
+      <a:schemeClr val="accent1"/>
+    </dgm:fillClrLst>
+    <dgm:linClrLst meth="repeat">
+      <a:schemeClr val="lt1"/>
+    </dgm:linClrLst>
+    <dgm:effectClrLst/>
+    <dgm:txLinClrLst/>
+    <dgm:txFillClrLst/>
+    <dgm:txEffectClrLst/>
+  </dgm:styleLbl>
+  <dgm:styleLbl name="fgImgPlace1">
+    <dgm:fillClrLst meth="repeat">
+      <a:schemeClr val="accent1">
+        <a:tint val="50000"/>
+      </a:schemeClr>
+    </dgm:fillClrLst>
+    <dgm:linClrLst meth="repeat">
+      <a:schemeClr val="lt1"/>
+    </dgm:linClrLst>
+    <dgm:effectClrLst/>
+    <dgm:txLinClrLst/>
+    <dgm:txFillClrLst meth="repeat">
+      <a:schemeClr val="lt1"/>
+    </dgm:txFillClrLst>
+    <dgm:txEffectClrLst/>
+  </dgm:styleLbl>
+  <dgm:styleLbl name="alignImgPlace1">
+    <dgm:fillClrLst meth="repeat">
+      <a:schemeClr val="accent1">
+        <a:tint val="50000"/>
+      </a:schemeClr>
+    </dgm:fillClrLst>
+    <dgm:linClrLst meth="repeat">
+      <a:schemeClr val="lt1"/>
+    </dgm:linClrLst>
+    <dgm:effectClrLst/>
+    <dgm:txLinClrLst/>
+    <dgm:txFillClrLst meth="repeat">
+      <a:schemeClr val="lt1"/>
+    </dgm:txFillClrLst>
+    <dgm:txEffectClrLst/>
+  </dgm:styleLbl>
+  <dgm:styleLbl name="bgImgPlace1">
+    <dgm:fillClrLst meth="repeat">
+      <a:schemeClr val="accent1">
+        <a:tint val="50000"/>
+      </a:schemeClr>
+    </dgm:fillClrLst>
+    <dgm:linClrLst meth="repeat">
+      <a:schemeClr val="lt1"/>
+    </dgm:linClrLst>
+    <dgm:effectClrLst/>
+    <dgm:txLinClrLst/>
+    <dgm:txFillClrLst meth="repeat">
+      <a:schemeClr val="lt1"/>
+    </dgm:txFillClrLst>
+    <dgm:txEffectClrLst/>
+  </dgm:styleLbl>
+  <dgm:styleLbl name="sibTrans2D1">
+    <dgm:fillClrLst meth="repeat">
+      <a:schemeClr val="accent1">
+        <a:tint val="60000"/>
+      </a:schemeClr>
+    </dgm:fillClrLst>
+    <dgm:linClrLst meth="repeat">
+      <a:schemeClr val="accent1">
+        <a:tint val="60000"/>
+      </a:schemeClr>
+    </dgm:linClrLst>
+    <dgm:effectClrLst/>
+    <dgm:txLinClrLst/>
+    <dgm:txFillClrLst/>
+    <dgm:txEffectClrLst/>
+  </dgm:styleLbl>
+  <dgm:styleLbl name="fgSibTrans2D1">
+    <dgm:fillClrLst meth="repeat">
+      <a:schemeClr val="accent1">
+        <a:tint val="60000"/>
+      </a:schemeClr>
+    </dgm:fillClrLst>
+    <dgm:linClrLst meth="repeat">
+      <a:schemeClr val="accent1">
+        <a:tint val="60000"/>
+      </a:schemeClr>
+    </dgm:linClrLst>
+    <dgm:effectClrLst/>
+    <dgm:txLinClrLst/>
+    <dgm:txFillClrLst/>
+    <dgm:txEffectClrLst/>
+  </dgm:styleLbl>
+  <dgm:styleLbl name="bgSibTrans2D1">
+    <dgm:fillClrLst meth="repeat">
+      <a:schemeClr val="accent1">
+        <a:tint val="60000"/>
+      </a:schemeClr>
+    </dgm:fillClrLst>
+    <dgm:linClrLst meth="repeat">
+      <a:schemeClr val="accent1">
+        <a:tint val="60000"/>
+      </a:schemeClr>
+    </dgm:linClrLst>
+    <dgm:effectClrLst/>
+    <dgm:txLinClrLst/>
+    <dgm:txFillClrLst/>
+    <dgm:txEffectClrLst/>
+  </dgm:styleLbl>
+  <dgm:styleLbl name="sibTrans1D1">
+    <dgm:fillClrLst meth="repeat">
+      <a:schemeClr val="accent1"/>
+    </dgm:fillClrLst>
+    <dgm:linClrLst meth="repeat">
+      <a:schemeClr val="accent1"/>
+    </dgm:linClrLst>
+    <dgm:effectClrLst/>
+    <dgm:txLinClrLst/>
+    <dgm:txFillClrLst meth="repeat">
+      <a:schemeClr val="tx1"/>
+    </dgm:txFillClrLst>
+    <dgm:txEffectClrLst/>
+  </dgm:styleLbl>
+  <dgm:styleLbl name="callout">
+    <dgm:fillClrLst meth="repeat">
+      <a:schemeClr val="accent1"/>
+    </dgm:fillClrLst>
+    <dgm:linClrLst meth="repeat">
+      <a:schemeClr val="accent1">
+        <a:tint val="50000"/>
+      </a:schemeClr>
+    </dgm:linClrLst>
+    <dgm:effectClrLst/>
+    <dgm:txLinClrLst/>
+    <dgm:txFillClrLst meth="repeat">
+      <a:schemeClr val="tx1"/>
+    </dgm:txFillClrLst>
+    <dgm:txEffectClrLst/>
+  </dgm:styleLbl>
+  <dgm:styleLbl name="asst0">
+    <dgm:fillClrLst meth="repeat">
+      <a:schemeClr val="accent1"/>
+    </dgm:fillClrLst>
+    <dgm:linClrLst meth="repeat">
+      <a:schemeClr val="lt1"/>
+    </dgm:linClrLst>
+    <dgm:effectClrLst/>
+    <dgm:txLinClrLst/>
+    <dgm:txFillClrLst/>
+    <dgm:txEffectClrLst/>
+  </dgm:styleLbl>
+  <dgm:styleLbl name="asst1">
+    <dgm:fillClrLst meth="repeat">
+      <a:schemeClr val="accent1"/>
+    </dgm:fillClrLst>
+    <dgm:linClrLst meth="repeat">
+      <a:schemeClr val="lt1"/>
+    </dgm:linClrLst>
+    <dgm:effectClrLst/>
+    <dgm:txLinClrLst/>
+    <dgm:txFillClrLst/>
+    <dgm:txEffectClrLst/>
+  </dgm:styleLbl>
+  <dgm:styleLbl name="asst2">
+    <dgm:fillClrLst meth="repeat">
+      <a:schemeClr val="accent1"/>
+    </dgm:fillClrLst>
+    <dgm:linClrLst meth="repeat">
+      <a:schemeClr val="lt1"/>
+    </dgm:linClrLst>
+    <dgm:effectClrLst/>
+    <dgm:txLinClrLst/>
+    <dgm:txFillClrLst/>
+    <dgm:txEffectClrLst/>
+  </dgm:styleLbl>
+  <dgm:styleLbl name="asst3">
+    <dgm:fillClrLst meth="repeat">
+      <a:schemeClr val="accent1"/>
+    </dgm:fillClrLst>
+    <dgm:linClrLst meth="repeat">
+      <a:schemeClr val="lt1"/>
+    </dgm:linClrLst>
+    <dgm:effectClrLst/>
+    <dgm:txLinClrLst/>
+    <dgm:txFillClrLst/>
+    <dgm:txEffectClrLst/>
+  </dgm:styleLbl>
+  <dgm:styleLbl name="asst4">
+    <dgm:fillClrLst meth="repeat">
+      <a:schemeClr val="accent1"/>
+    </dgm:fillClrLst>
+    <dgm:linClrLst meth="repeat">
+      <a:schemeClr val="lt1"/>
+    </dgm:linClrLst>
+    <dgm:effectClrLst/>
+    <dgm:txLinClrLst/>
+    <dgm:txFillClrLst/>
+    <dgm:txEffectClrLst/>
+  </dgm:styleLbl>
+  <dgm:styleLbl name="parChTrans2D1">
+    <dgm:fillClrLst meth="repeat">
+      <a:schemeClr val="accent1">
+        <a:tint val="60000"/>
+      </a:schemeClr>
+    </dgm:fillClrLst>
+    <dgm:linClrLst meth="repeat">
+      <a:schemeClr val="accent1">
+        <a:tint val="60000"/>
+      </a:schemeClr>
+    </dgm:linClrLst>
+    <dgm:effectClrLst/>
+    <dgm:txLinClrLst/>
+    <dgm:txFillClrLst meth="repeat">
+      <a:schemeClr val="lt1"/>
+    </dgm:txFillClrLst>
+    <dgm:txEffectClrLst/>
+  </dgm:styleLbl>
+  <dgm:styleLbl name="parChTrans2D2">
+    <dgm:fillClrLst meth="repeat">
+      <a:schemeClr val="accent1"/>
+    </dgm:fillClrLst>
+    <dgm:linClrLst meth="repeat">
+      <a:schemeClr val="accent1"/>
+    </dgm:linClrLst>
+    <dgm:effectClrLst/>
+    <dgm:txLinClrLst/>
+    <dgm:txFillClrLst meth="repeat">
+      <a:schemeClr val="lt1"/>
+    </dgm:txFillClrLst>
+    <dgm:txEffectClrLst/>
+  </dgm:styleLbl>
+  <dgm:styleLbl name="parChTrans2D3">
+    <dgm:fillClrLst meth="repeat">
+      <a:schemeClr val="accent1"/>
+    </dgm:fillClrLst>
+    <dgm:linClrLst meth="repeat">
+      <a:schemeClr val="accent1"/>
+    </dgm:linClrLst>
+    <dgm:effectClrLst/>
+    <dgm:txLinClrLst/>
+    <dgm:txFillClrLst meth="repeat">
+      <a:schemeClr val="lt1"/>
+    </dgm:txFillClrLst>
+    <dgm:txEffectClrLst/>
+  </dgm:styleLbl>
+  <dgm:styleLbl name="parChTrans2D4">
+    <dgm:fillClrLst meth="repeat">
+      <a:schemeClr val="accent1"/>
+    </dgm:fillClrLst>
+    <dgm:linClrLst meth="repeat">
+      <a:schemeClr val="accent1"/>
+    </dgm:linClrLst>
+    <dgm:effectClrLst/>
+    <dgm:txLinClrLst/>
+    <dgm:txFillClrLst meth="repeat">
+      <a:schemeClr val="lt1"/>
+    </dgm:txFillClrLst>
+    <dgm:txEffectClrLst/>
+  </dgm:styleLbl>
+  <dgm:styleLbl name="parChTrans1D1">
+    <dgm:fillClrLst meth="repeat">
+      <a:schemeClr val="accent1"/>
+    </dgm:fillClrLst>
+    <dgm:linClrLst meth="repeat">
+      <a:schemeClr val="accent1">
+        <a:shade val="60000"/>
+      </a:schemeClr>
+    </dgm:linClrLst>
+    <dgm:effectClrLst/>
+    <dgm:txLinClrLst/>
+    <dgm:txFillClrLst meth="repeat">
+      <a:schemeClr val="tx1"/>
+    </dgm:txFillClrLst>
+    <dgm:txEffectClrLst/>
+  </dgm:styleLbl>
+  <dgm:styleLbl name="parChTrans1D2">
+    <dgm:fillClrLst meth="repeat">
+      <a:schemeClr val="accent1"/>
+    </dgm:fillClrLst>
+    <dgm:linClrLst meth="repeat">
+      <a:schemeClr val="accent1">
+        <a:shade val="60000"/>
+      </a:schemeClr>
+    </dgm:linClrLst>
+    <dgm:effectClrLst/>
+    <dgm:txLinClrLst/>
+    <dgm:txFillClrLst meth="repeat">
+      <a:schemeClr val="tx1"/>
+    </dgm:txFillClrLst>
+    <dgm:txEffectClrLst/>
+  </dgm:styleLbl>
+  <dgm:styleLbl name="parChTrans1D3">
+    <dgm:fillClrLst meth="repeat">
+      <a:schemeClr val="accent1"/>
+    </dgm:fillClrLst>
+    <dgm:linClrLst meth="repeat">
+      <a:schemeClr val="accent1">
+        <a:shade val="80000"/>
+      </a:schemeClr>
+    </dgm:linClrLst>
+    <dgm:effectClrLst/>
+    <dgm:txLinClrLst/>
+    <dgm:txFillClrLst meth="repeat">
+      <a:schemeClr val="tx1"/>
+    </dgm:txFillClrLst>
+    <dgm:txEffectClrLst/>
+  </dgm:styleLbl>
+  <dgm:styleLbl name="parChTrans1D4">
+    <dgm:fillClrLst meth="repeat">
+      <a:schemeClr val="accent1"/>
+    </dgm:fillClrLst>
+    <dgm:linClrLst meth="repeat">
+      <a:schemeClr val="accent1">
+        <a:shade val="80000"/>
+      </a:schemeClr>
+    </dgm:linClrLst>
+    <dgm:effectClrLst/>
+    <dgm:txLinClrLst/>
+    <dgm:txFillClrLst meth="repeat">
+      <a:schemeClr val="tx1"/>
+    </dgm:txFillClrLst>
+    <dgm:txEffectClrLst/>
+  </dgm:styleLbl>
+  <dgm:styleLbl name="fgAcc1">
+    <dgm:fillClrLst meth="repeat">
+      <a:schemeClr val="lt1">
+        <a:alpha val="90000"/>
+      </a:schemeClr>
+    </dgm:fillClrLst>
+    <dgm:linClrLst meth="repeat">
+      <a:schemeClr val="accent1"/>
+    </dgm:linClrLst>
+    <dgm:effectClrLst/>
+    <dgm:txLinClrLst/>
+    <dgm:txFillClrLst meth="repeat">
+      <a:schemeClr val="dk1"/>
+    </dgm:txFillClrLst>
+    <dgm:txEffectClrLst/>
+  </dgm:styleLbl>
+  <dgm:styleLbl name="conFgAcc1">
+    <dgm:fillClrLst meth="repeat">
+      <a:schemeClr val="lt1">
+        <a:alpha val="90000"/>
+      </a:schemeClr>
+    </dgm:fillClrLst>
+    <dgm:linClrLst meth="repeat">
+      <a:schemeClr val="accent1"/>
+    </dgm:linClrLst>
+    <dgm:effectClrLst/>
+    <dgm:txLinClrLst/>
+    <dgm:txFillClrLst meth="repeat">
+      <a:schemeClr val="dk1"/>
+    </dgm:txFillClrLst>
+    <dgm:txEffectClrLst/>
+  </dgm:styleLbl>
+  <dgm:styleLbl name="alignAcc1">
+    <dgm:fillClrLst meth="repeat">
+      <a:schemeClr val="lt1">
+        <a:alpha val="90000"/>
+      </a:schemeClr>
+    </dgm:fillClrLst>
+    <dgm:linClrLst meth="repeat">
+      <a:schemeClr val="accent1"/>
+    </dgm:linClrLst>
+    <dgm:effectClrLst/>
+    <dgm:txLinClrLst/>
+    <dgm:txFillClrLst meth="repeat">
+      <a:schemeClr val="dk1"/>
+    </dgm:txFillClrLst>
+    <dgm:txEffectClrLst/>
+  </dgm:styleLbl>
+  <dgm:styleLbl name="trAlignAcc1">
+    <dgm:fillClrLst meth="repeat">
+      <a:schemeClr val="lt1">
+        <a:alpha val="40000"/>
+      </a:schemeClr>
+    </dgm:fillClrLst>
+    <dgm:linClrLst meth="repeat">
+      <a:schemeClr val="accent1"/>
+    </dgm:linClrLst>
+    <dgm:effectClrLst/>
+    <dgm:txLinClrLst/>
+    <dgm:txFillClrLst meth="repeat">
+      <a:schemeClr val="dk1"/>
+    </dgm:txFillClrLst>
+    <dgm:txEffectClrLst/>
+  </dgm:styleLbl>
+  <dgm:styleLbl name="bgAcc1">
+    <dgm:fillClrLst meth="repeat">
+      <a:schemeClr val="lt1">
+        <a:alpha val="90000"/>
+      </a:schemeClr>
+    </dgm:fillClrLst>
+    <dgm:linClrLst meth="repeat">
+      <a:schemeClr val="accent1"/>
+    </dgm:linClrLst>
+    <dgm:effectClrLst/>
+    <dgm:txLinClrLst/>
+    <dgm:txFillClrLst meth="repeat">
+      <a:schemeClr val="dk1"/>
+    </dgm:txFillClrLst>
+    <dgm:txEffectClrLst/>
+  </dgm:styleLbl>
+  <dgm:styleLbl name="solidFgAcc1">
+    <dgm:fillClrLst meth="repeat">
+      <a:schemeClr val="lt1"/>
+    </dgm:fillClrLst>
+    <dgm:linClrLst meth="repeat">
+      <a:schemeClr val="accent1"/>
+    </dgm:linClrLst>
+    <dgm:effectClrLst/>
+    <dgm:txLinClrLst/>
+    <dgm:txFillClrLst meth="repeat">
+      <a:schemeClr val="dk1"/>
+    </dgm:txFillClrLst>
+    <dgm:txEffectClrLst/>
+  </dgm:styleLbl>
+  <dgm:styleLbl name="solidAlignAcc1">
+    <dgm:fillClrLst meth="repeat">
+      <a:schemeClr val="lt1"/>
+    </dgm:fillClrLst>
+    <dgm:linClrLst meth="repeat">
+      <a:schemeClr val="accent1"/>
+    </dgm:linClrLst>
+    <dgm:effectClrLst/>
+    <dgm:txLinClrLst/>
+    <dgm:txFillClrLst meth="repeat">
+      <a:schemeClr val="dk1"/>
+    </dgm:txFillClrLst>
+    <dgm:txEffectClrLst/>
+  </dgm:styleLbl>
+  <dgm:styleLbl name="solidBgAcc1">
+    <dgm:fillClrLst meth="repeat">
+      <a:schemeClr val="lt1"/>
+    </dgm:fillClrLst>
+    <dgm:linClrLst meth="repeat">
+      <a:schemeClr val="accent1"/>
+    </dgm:linClrLst>
+    <dgm:effectClrLst/>
+    <dgm:txLinClrLst/>
+    <dgm:txFillClrLst meth="repeat">
+      <a:schemeClr val="dk1"/>
+    </dgm:txFillClrLst>
+    <dgm:txEffectClrLst/>
+  </dgm:styleLbl>
+  <dgm:styleLbl name="fgAccFollowNode1">
+    <dgm:fillClrLst meth="repeat">
+      <a:schemeClr val="accent1">
+        <a:alpha val="90000"/>
+        <a:tint val="40000"/>
+      </a:schemeClr>
+    </dgm:fillClrLst>
+    <dgm:linClrLst meth="repeat">
+      <a:schemeClr val="accent1">
+        <a:alpha val="90000"/>
+        <a:tint val="40000"/>
+      </a:schemeClr>
+    </dgm:linClrLst>
+    <dgm:effectClrLst/>
+    <dgm:txLinClrLst/>
+    <dgm:txFillClrLst meth="repeat">
+      <a:schemeClr val="dk1"/>
+    </dgm:txFillClrLst>
+    <dgm:txEffectClrLst/>
+  </dgm:styleLbl>
+  <dgm:styleLbl name="alignAccFollowNode1">
+    <dgm:fillClrLst meth="repeat">
+      <a:schemeClr val="accent1">
+        <a:alpha val="90000"/>
+        <a:tint val="40000"/>
+      </a:schemeClr>
+    </dgm:fillClrLst>
+    <dgm:linClrLst meth="repeat">
+      <a:schemeClr val="accent1">
+        <a:alpha val="90000"/>
+        <a:tint val="40000"/>
+      </a:schemeClr>
+    </dgm:linClrLst>
+    <dgm:effectClrLst/>
+    <dgm:txLinClrLst/>
+    <dgm:txFillClrLst meth="repeat">
+      <a:schemeClr val="dk1"/>
+    </dgm:txFillClrLst>
+    <dgm:txEffectClrLst/>
+  </dgm:styleLbl>
+  <dgm:styleLbl name="bgAccFollowNode1">
+    <dgm:fillClrLst meth="repeat">
+      <a:schemeClr val="accent1">
+        <a:alpha val="90000"/>
+        <a:tint val="40000"/>
+      </a:schemeClr>
+    </dgm:fillClrLst>
+    <dgm:linClrLst meth="repeat">
+      <a:schemeClr val="accent1">
+        <a:alpha val="90000"/>
+        <a:tint val="40000"/>
+      </a:schemeClr>
+    </dgm:linClrLst>
+    <dgm:effectClrLst/>
+    <dgm:txLinClrLst/>
+    <dgm:txFillClrLst meth="repeat">
+      <a:schemeClr val="dk1"/>
+    </dgm:txFillClrLst>
+    <dgm:txEffectClrLst/>
+  </dgm:styleLbl>
+  <dgm:styleLbl name="fgAcc0">
+    <dgm:fillClrLst meth="repeat">
+      <a:schemeClr val="lt1">
+        <a:alpha val="90000"/>
+      </a:schemeClr>
+    </dgm:fillClrLst>
+    <dgm:linClrLst meth="repeat">
+      <a:schemeClr val="accent1"/>
+    </dgm:linClrLst>
+    <dgm:effectClrLst/>
+    <dgm:txLinClrLst/>
+    <dgm:txFillClrLst meth="repeat">
+      <a:schemeClr val="dk1"/>
+    </dgm:txFillClrLst>
+    <dgm:txEffectClrLst/>
+  </dgm:styleLbl>
+  <dgm:styleLbl name="fgAcc2">
+    <dgm:fillClrLst meth="repeat">
+      <a:schemeClr val="lt1">
+        <a:alpha val="90000"/>
+      </a:schemeClr>
+    </dgm:fillClrLst>
+    <dgm:linClrLst meth="repeat">
+      <a:schemeClr val="accent1"/>
+    </dgm:linClrLst>
+    <dgm:effectClrLst/>
+    <dgm:txLinClrLst/>
+    <dgm:txFillClrLst meth="repeat">
+      <a:schemeClr val="dk1"/>
+    </dgm:txFillClrLst>
+    <dgm:txEffectClrLst/>
+  </dgm:styleLbl>
+  <dgm:styleLbl name="fgAcc3">
+    <dgm:fillClrLst meth="repeat">
+      <a:schemeClr val="lt1">
+        <a:alpha val="90000"/>
+      </a:schemeClr>
+    </dgm:fillClrLst>
+    <dgm:linClrLst meth="repeat">
+      <a:schemeClr val="accent1"/>
+    </dgm:linClrLst>
+    <dgm:effectClrLst/>
+    <dgm:txLinClrLst/>
+    <dgm:txFillClrLst meth="repeat">
+      <a:schemeClr val="dk1"/>
+    </dgm:txFillClrLst>
+    <dgm:txEffectClrLst/>
+  </dgm:styleLbl>
+  <dgm:styleLbl name="fgAcc4">
+    <dgm:fillClrLst meth="repeat">
+      <a:schemeClr val="lt1">
+        <a:alpha val="90000"/>
+      </a:schemeClr>
+    </dgm:fillClrLst>
+    <dgm:linClrLst meth="repeat">
+      <a:schemeClr val="accent1"/>
+    </dgm:linClrLst>
+    <dgm:effectClrLst/>
+    <dgm:txLinClrLst/>
+    <dgm:txFillClrLst meth="repeat">
+      <a:schemeClr val="dk1"/>
+    </dgm:txFillClrLst>
+    <dgm:txEffectClrLst/>
+  </dgm:styleLbl>
+  <dgm:styleLbl name="bgShp">
+    <dgm:fillClrLst meth="repeat">
+      <a:schemeClr val="accent1">
+        <a:tint val="40000"/>
+      </a:schemeClr>
+    </dgm:fillClrLst>
+    <dgm:linClrLst meth="repeat">
+      <a:schemeClr val="accent1"/>
+    </dgm:linClrLst>
+    <dgm:effectClrLst/>
+    <dgm:txLinClrLst/>
+    <dgm:txFillClrLst meth="repeat">
+      <a:schemeClr val="dk1"/>
+    </dgm:txFillClrLst>
+    <dgm:txEffectClrLst/>
+  </dgm:styleLbl>
+  <dgm:styleLbl name="dkBgShp">
+    <dgm:fillClrLst meth="repeat">
+      <a:schemeClr val="accent1">
+        <a:shade val="80000"/>
+      </a:schemeClr>
+    </dgm:fillClrLst>
+    <dgm:linClrLst meth="repeat">
+      <a:schemeClr val="accent1"/>
+    </dgm:linClrLst>
+    <dgm:effectClrLst/>
+    <dgm:txLinClrLst/>
+    <dgm:txFillClrLst meth="repeat">
+      <a:schemeClr val="lt1"/>
+    </dgm:txFillClrLst>
+    <dgm:txEffectClrLst/>
+  </dgm:styleLbl>
+  <dgm:styleLbl name="trBgShp">
+    <dgm:fillClrLst meth="repeat">
+      <a:schemeClr val="accent1">
+        <a:tint val="50000"/>
+        <a:alpha val="40000"/>
+      </a:schemeClr>
+    </dgm:fillClrLst>
+    <dgm:linClrLst meth="repeat">
+      <a:schemeClr val="accent1"/>
+    </dgm:linClrLst>
+    <dgm:effectClrLst/>
+    <dgm:txLinClrLst/>
+    <dgm:txFillClrLst meth="repeat">
+      <a:schemeClr val="lt1"/>
+    </dgm:txFillClrLst>
+    <dgm:txEffectClrLst/>
+  </dgm:styleLbl>
+  <dgm:styleLbl name="fgShp">
+    <dgm:fillClrLst meth="repeat">
+      <a:schemeClr val="accent1">
+        <a:tint val="60000"/>
+      </a:schemeClr>
+    </dgm:fillClrLst>
+    <dgm:linClrLst meth="repeat">
+      <a:schemeClr val="lt1"/>
+    </dgm:linClrLst>
+    <dgm:effectClrLst/>
+    <dgm:txLinClrLst/>
+    <dgm:txFillClrLst meth="repeat">
+      <a:schemeClr val="dk1"/>
+    </dgm:txFillClrLst>
+    <dgm:txEffectClrLst/>
+  </dgm:styleLbl>
+  <dgm:styleLbl name="revTx">
+    <dgm:fillClrLst meth="repeat">
+      <a:schemeClr val="lt1">
+        <a:alpha val="0"/>
+      </a:schemeClr>
+    </dgm:fillClrLst>
+    <dgm:linClrLst meth="repeat">
+      <a:schemeClr val="dk1">
+        <a:alpha val="0"/>
+      </a:schemeClr>
+    </dgm:linClrLst>
+    <dgm:effectClrLst/>
+    <dgm:txLinClrLst/>
+    <dgm:txFillClrLst meth="repeat">
+      <a:schemeClr val="tx1"/>
+    </dgm:txFillClrLst>
+    <dgm:txEffectClrLst/>
+  </dgm:styleLbl>
+</dgm:colorsDef>
+</file>
+
+<file path=ppt/diagrams/data1.xml><?xml version="1.0" encoding="utf-8"?>
+<dgm:dataModel xmlns:dgm="http://schemas.openxmlformats.org/drawingml/2006/diagram" xmlns:a="http://schemas.openxmlformats.org/drawingml/2006/main">
+  <dgm:ptLst>
+    <dgm:pt modelId="{C192D68C-9B0B-4B75-B7E1-006A07824C91}" type="doc">
+      <dgm:prSet loTypeId="urn:microsoft.com/office/officeart/2005/8/layout/StepDownProcess" loCatId="process" qsTypeId="urn:microsoft.com/office/officeart/2005/8/quickstyle/simple1" qsCatId="simple" csTypeId="urn:microsoft.com/office/officeart/2005/8/colors/accent1_2" csCatId="accent1" phldr="1"/>
+      <dgm:spPr/>
+      <dgm:t>
+        <a:bodyPr/>
+        <a:lstStyle/>
+        <a:p>
+          <a:endParaRPr lang="en-US"/>
+        </a:p>
+      </dgm:t>
+    </dgm:pt>
+    <dgm:pt modelId="{BAEDEE16-BFCD-4B77-8617-F59D17925998}">
+      <dgm:prSet phldrT="[Text]" custT="1"/>
+      <dgm:spPr/>
+      <dgm:t>
+        <a:bodyPr/>
+        <a:lstStyle/>
+        <a:p>
+          <a:pPr algn="l"/>
+          <a:r>
+            <a:rPr lang="en-US" sz="1100" dirty="0" smtClean="0"/>
+            <a:t>main()</a:t>
+          </a:r>
+        </a:p>
+        <a:p>
+          <a:pPr algn="l"/>
+          <a:r>
+            <a:rPr lang="en-US" sz="1100" dirty="0" smtClean="0"/>
+            <a:t>14 calls fact(5)</a:t>
+          </a:r>
+        </a:p>
+      </dgm:t>
+    </dgm:pt>
+    <dgm:pt modelId="{94F487B6-E2B7-4752-9053-BCF110A559C4}" type="parTrans" cxnId="{C5E6BA03-7F67-41E9-A14F-081784D6B161}">
+      <dgm:prSet/>
+      <dgm:spPr/>
+      <dgm:t>
+        <a:bodyPr/>
+        <a:lstStyle/>
+        <a:p>
+          <a:endParaRPr lang="en-US" sz="1100"/>
+        </a:p>
+      </dgm:t>
+    </dgm:pt>
+    <dgm:pt modelId="{235DFDCD-B245-488E-B341-C3AA32278358}" type="sibTrans" cxnId="{C5E6BA03-7F67-41E9-A14F-081784D6B161}">
+      <dgm:prSet/>
+      <dgm:spPr/>
+      <dgm:t>
+        <a:bodyPr/>
+        <a:lstStyle/>
+        <a:p>
+          <a:endParaRPr lang="en-US" sz="1100"/>
+        </a:p>
+      </dgm:t>
+    </dgm:pt>
+    <dgm:pt modelId="{70F37D12-D2B6-4CBD-9052-1DE9183D7D78}">
+      <dgm:prSet custT="1"/>
+      <dgm:spPr/>
+      <dgm:t>
+        <a:bodyPr/>
+        <a:lstStyle/>
+        <a:p>
+          <a:pPr algn="l"/>
+          <a:r>
+            <a:rPr lang="en-US" sz="1100" dirty="0" smtClean="0"/>
+            <a:t>fact(5)  : n= 5</a:t>
+          </a:r>
+        </a:p>
+        <a:p>
+          <a:pPr algn="l"/>
+          <a:r>
+            <a:rPr lang="en-US" sz="1100" dirty="0" smtClean="0"/>
+            <a:t>9 calls fact(4)</a:t>
+          </a:r>
+        </a:p>
+        <a:p>
+          <a:pPr algn="l"/>
+          <a:endParaRPr lang="en-US" sz="1100" dirty="0"/>
+        </a:p>
+      </dgm:t>
+    </dgm:pt>
+    <dgm:pt modelId="{636EBC70-4174-489A-A81B-870A2241A029}" type="parTrans" cxnId="{27F07357-5B06-4445-A795-38264A88821F}">
+      <dgm:prSet/>
+      <dgm:spPr/>
+      <dgm:t>
+        <a:bodyPr/>
+        <a:lstStyle/>
+        <a:p>
+          <a:endParaRPr lang="en-US" sz="1100"/>
+        </a:p>
+      </dgm:t>
+    </dgm:pt>
+    <dgm:pt modelId="{80B0951B-22AB-457F-90D8-C2A76AA084A0}" type="sibTrans" cxnId="{27F07357-5B06-4445-A795-38264A88821F}">
+      <dgm:prSet/>
+      <dgm:spPr/>
+      <dgm:t>
+        <a:bodyPr/>
+        <a:lstStyle/>
+        <a:p>
+          <a:endParaRPr lang="en-US" sz="1100"/>
+        </a:p>
+      </dgm:t>
+    </dgm:pt>
+    <dgm:pt modelId="{E3FF241F-F420-41B4-B346-1740DAC85244}">
+      <dgm:prSet custT="1"/>
+      <dgm:spPr/>
+      <dgm:t>
+        <a:bodyPr/>
+        <a:lstStyle/>
+        <a:p>
+          <a:pPr algn="l"/>
+          <a:r>
+            <a:rPr lang="en-US" sz="1100" dirty="0" smtClean="0"/>
+            <a:t>fact(4)  : n=4 </a:t>
+          </a:r>
+        </a:p>
+        <a:p>
+          <a:pPr algn="l"/>
+          <a:r>
+            <a:rPr lang="en-US" sz="1100" dirty="0" smtClean="0"/>
+            <a:t>9 calls fact(3)</a:t>
+          </a:r>
+        </a:p>
+        <a:p>
+          <a:pPr algn="ctr"/>
+          <a:endParaRPr lang="en-US" sz="1100" dirty="0"/>
+        </a:p>
+      </dgm:t>
+    </dgm:pt>
+    <dgm:pt modelId="{43621B9C-7C06-465B-9C9B-9B11033C90DE}" type="parTrans" cxnId="{2BBAAB35-91A9-43E1-970A-6F10ACB0A4DE}">
+      <dgm:prSet/>
+      <dgm:spPr/>
+      <dgm:t>
+        <a:bodyPr/>
+        <a:lstStyle/>
+        <a:p>
+          <a:endParaRPr lang="en-US" sz="1100"/>
+        </a:p>
+      </dgm:t>
+    </dgm:pt>
+    <dgm:pt modelId="{DACD590F-6AF1-40AB-8B8F-CA3A16EF6B78}" type="sibTrans" cxnId="{2BBAAB35-91A9-43E1-970A-6F10ACB0A4DE}">
+      <dgm:prSet/>
+      <dgm:spPr/>
+      <dgm:t>
+        <a:bodyPr/>
+        <a:lstStyle/>
+        <a:p>
+          <a:endParaRPr lang="en-US" sz="1100"/>
+        </a:p>
+      </dgm:t>
+    </dgm:pt>
+    <dgm:pt modelId="{8AF79D15-9B04-4084-B4EE-B877D35721BD}">
+      <dgm:prSet custT="1"/>
+      <dgm:spPr/>
+      <dgm:t>
+        <a:bodyPr/>
+        <a:lstStyle/>
+        <a:p>
+          <a:pPr algn="l"/>
+          <a:r>
+            <a:rPr lang="en-US" sz="1100" dirty="0" smtClean="0"/>
+            <a:t>fact(3)  : n=3 </a:t>
+          </a:r>
+        </a:p>
+        <a:p>
+          <a:pPr algn="l"/>
+          <a:r>
+            <a:rPr lang="en-US" sz="1100" dirty="0" smtClean="0"/>
+            <a:t>9 calls fact(2)</a:t>
+          </a:r>
+        </a:p>
+      </dgm:t>
+    </dgm:pt>
+    <dgm:pt modelId="{A11E9315-0D3B-4A64-AF8F-0A1898140593}" type="sibTrans" cxnId="{AC3684BD-AFA0-408E-9015-CA4A57857814}">
+      <dgm:prSet/>
+      <dgm:spPr/>
+      <dgm:t>
+        <a:bodyPr/>
+        <a:lstStyle/>
+        <a:p>
+          <a:endParaRPr lang="en-US" sz="1100"/>
+        </a:p>
+      </dgm:t>
+    </dgm:pt>
+    <dgm:pt modelId="{1ABF4E62-BFD8-40F7-826E-B19768623761}" type="parTrans" cxnId="{AC3684BD-AFA0-408E-9015-CA4A57857814}">
+      <dgm:prSet/>
+      <dgm:spPr/>
+      <dgm:t>
+        <a:bodyPr/>
+        <a:lstStyle/>
+        <a:p>
+          <a:endParaRPr lang="en-US" sz="1100"/>
+        </a:p>
+      </dgm:t>
+    </dgm:pt>
+    <dgm:pt modelId="{416F8233-8B8C-4056-9EAD-74886A6C910F}">
+      <dgm:prSet custT="1"/>
+      <dgm:spPr/>
+      <dgm:t>
+        <a:bodyPr/>
+        <a:lstStyle/>
+        <a:p>
+          <a:pPr algn="l"/>
+          <a:r>
+            <a:rPr lang="en-US" sz="1100" dirty="0" smtClean="0"/>
+            <a:t>fact(2)  : n=2 </a:t>
+          </a:r>
+        </a:p>
+        <a:p>
+          <a:pPr algn="l"/>
+          <a:r>
+            <a:rPr lang="en-US" sz="1100" dirty="0" smtClean="0"/>
+            <a:t>9 calls fact(1)</a:t>
+          </a:r>
+        </a:p>
+        <a:p>
+          <a:pPr algn="l"/>
+          <a:endParaRPr lang="en-US" sz="1100" dirty="0" smtClean="0"/>
+        </a:p>
+      </dgm:t>
+    </dgm:pt>
+    <dgm:pt modelId="{2223B398-9A18-4798-9374-881244EFCCE0}" type="sibTrans" cxnId="{C15BEF8E-BE17-4518-8DBF-CBCB84C16D66}">
+      <dgm:prSet/>
+      <dgm:spPr/>
+      <dgm:t>
+        <a:bodyPr/>
+        <a:lstStyle/>
+        <a:p>
+          <a:endParaRPr lang="en-US" sz="1100"/>
+        </a:p>
+      </dgm:t>
+    </dgm:pt>
+    <dgm:pt modelId="{99C6CC99-B967-4717-B493-029589E43731}" type="parTrans" cxnId="{C15BEF8E-BE17-4518-8DBF-CBCB84C16D66}">
+      <dgm:prSet/>
+      <dgm:spPr/>
+      <dgm:t>
+        <a:bodyPr/>
+        <a:lstStyle/>
+        <a:p>
+          <a:endParaRPr lang="en-US" sz="1100"/>
+        </a:p>
+      </dgm:t>
+    </dgm:pt>
+    <dgm:pt modelId="{8668630D-4257-4C16-952C-C68F52D0F603}">
+      <dgm:prSet custT="1"/>
+      <dgm:spPr/>
+      <dgm:t>
+        <a:bodyPr/>
+        <a:lstStyle/>
+        <a:p>
+          <a:pPr algn="l"/>
+          <a:r>
+            <a:rPr lang="en-US" sz="1100" dirty="0" smtClean="0"/>
+            <a:t>fact(1)  : n=1</a:t>
+          </a:r>
+        </a:p>
+        <a:p>
+          <a:pPr algn="l"/>
+          <a:r>
+            <a:rPr lang="en-US" sz="1100" dirty="0" smtClean="0"/>
+            <a:t>9 calls fact(0)</a:t>
+          </a:r>
+        </a:p>
+        <a:p>
+          <a:pPr algn="l"/>
+          <a:r>
+            <a:rPr lang="en-US" sz="1100" dirty="0" smtClean="0"/>
+            <a:t>9 n*1</a:t>
+          </a:r>
+        </a:p>
+        <a:p>
+          <a:pPr algn="l"/>
+          <a:r>
+            <a:rPr lang="en-US" sz="1100" dirty="0" smtClean="0"/>
+            <a:t>9 return 1</a:t>
+          </a:r>
+        </a:p>
+      </dgm:t>
+    </dgm:pt>
+    <dgm:pt modelId="{2447D2C1-3EAB-4642-86DD-9E901E5644D4}" type="sibTrans" cxnId="{748E9BBA-3380-48B1-B5D5-F160D9C0B45A}">
+      <dgm:prSet/>
+      <dgm:spPr/>
+      <dgm:t>
+        <a:bodyPr/>
+        <a:lstStyle/>
+        <a:p>
+          <a:endParaRPr lang="en-US" sz="1100"/>
+        </a:p>
+      </dgm:t>
+    </dgm:pt>
+    <dgm:pt modelId="{FA6B2034-D7D4-4D70-BA7E-0D896A5F0C29}" type="parTrans" cxnId="{748E9BBA-3380-48B1-B5D5-F160D9C0B45A}">
+      <dgm:prSet/>
+      <dgm:spPr/>
+      <dgm:t>
+        <a:bodyPr/>
+        <a:lstStyle/>
+        <a:p>
+          <a:endParaRPr lang="en-US" sz="1100"/>
+        </a:p>
+      </dgm:t>
+    </dgm:pt>
+    <dgm:pt modelId="{BB39E6F8-000D-4DA3-AA0B-DA0163626789}" type="pres">
+      <dgm:prSet presAssocID="{C192D68C-9B0B-4B75-B7E1-006A07824C91}" presName="rootnode" presStyleCnt="0">
+        <dgm:presLayoutVars>
+          <dgm:chMax/>
+          <dgm:chPref/>
+          <dgm:dir/>
+          <dgm:animLvl val="lvl"/>
+        </dgm:presLayoutVars>
+      </dgm:prSet>
+      <dgm:spPr/>
+    </dgm:pt>
+    <dgm:pt modelId="{D88B5AAE-AE46-4B3E-B88E-FC86CF0EA404}" type="pres">
+      <dgm:prSet presAssocID="{BAEDEE16-BFCD-4B77-8617-F59D17925998}" presName="composite" presStyleCnt="0"/>
+      <dgm:spPr/>
+    </dgm:pt>
+    <dgm:pt modelId="{FD643A9F-F7CD-4D95-ADAF-17D6267239F8}" type="pres">
+      <dgm:prSet presAssocID="{BAEDEE16-BFCD-4B77-8617-F59D17925998}" presName="bentUpArrow1" presStyleLbl="alignImgPlace1" presStyleIdx="0" presStyleCnt="5"/>
+      <dgm:spPr/>
+    </dgm:pt>
+    <dgm:pt modelId="{1BEBA1B3-443F-4D14-8B78-AD40F2E5974F}" type="pres">
+      <dgm:prSet presAssocID="{BAEDEE16-BFCD-4B77-8617-F59D17925998}" presName="ParentText" presStyleLbl="node1" presStyleIdx="0" presStyleCnt="6" custScaleY="83454">
+        <dgm:presLayoutVars>
+          <dgm:chMax val="1"/>
+          <dgm:chPref val="1"/>
+          <dgm:bulletEnabled val="1"/>
+        </dgm:presLayoutVars>
+      </dgm:prSet>
+      <dgm:spPr/>
+      <dgm:t>
+        <a:bodyPr/>
+        <a:lstStyle/>
+        <a:p>
+          <a:endParaRPr lang="en-US"/>
+        </a:p>
+      </dgm:t>
+    </dgm:pt>
+    <dgm:pt modelId="{16EEE56F-1736-4BF4-B446-C2F886BAFFE5}" type="pres">
+      <dgm:prSet presAssocID="{BAEDEE16-BFCD-4B77-8617-F59D17925998}" presName="ChildText" presStyleLbl="revTx" presStyleIdx="0" presStyleCnt="5">
+        <dgm:presLayoutVars>
+          <dgm:chMax val="0"/>
+          <dgm:chPref val="0"/>
+          <dgm:bulletEnabled val="1"/>
+        </dgm:presLayoutVars>
+      </dgm:prSet>
+      <dgm:spPr/>
+      <dgm:t>
+        <a:bodyPr/>
+        <a:lstStyle/>
+        <a:p>
+          <a:endParaRPr lang="en-US"/>
+        </a:p>
+      </dgm:t>
+    </dgm:pt>
+    <dgm:pt modelId="{76140B5A-C8CC-4580-AFF5-DA3C9A80A90F}" type="pres">
+      <dgm:prSet presAssocID="{235DFDCD-B245-488E-B341-C3AA32278358}" presName="sibTrans" presStyleCnt="0"/>
+      <dgm:spPr/>
+    </dgm:pt>
+    <dgm:pt modelId="{F50D0B0B-F16E-4FB6-BA27-296944C01C2E}" type="pres">
+      <dgm:prSet presAssocID="{70F37D12-D2B6-4CBD-9052-1DE9183D7D78}" presName="composite" presStyleCnt="0"/>
+      <dgm:spPr/>
+    </dgm:pt>
+    <dgm:pt modelId="{93BB1492-C1F2-4354-AB09-C87BC40254DE}" type="pres">
+      <dgm:prSet presAssocID="{70F37D12-D2B6-4CBD-9052-1DE9183D7D78}" presName="bentUpArrow1" presStyleLbl="alignImgPlace1" presStyleIdx="1" presStyleCnt="5"/>
+      <dgm:spPr/>
+    </dgm:pt>
+    <dgm:pt modelId="{3411986B-8910-496C-AF70-DE510FFA3FC4}" type="pres">
+      <dgm:prSet presAssocID="{70F37D12-D2B6-4CBD-9052-1DE9183D7D78}" presName="ParentText" presStyleLbl="node1" presStyleIdx="1" presStyleCnt="6">
+        <dgm:presLayoutVars>
+          <dgm:chMax val="1"/>
+          <dgm:chPref val="1"/>
+          <dgm:bulletEnabled val="1"/>
+        </dgm:presLayoutVars>
+      </dgm:prSet>
+      <dgm:spPr/>
+      <dgm:t>
+        <a:bodyPr/>
+        <a:lstStyle/>
+        <a:p>
+          <a:endParaRPr lang="en-US"/>
+        </a:p>
+      </dgm:t>
+    </dgm:pt>
+    <dgm:pt modelId="{E6A77A32-4CCF-4242-9152-DE5F79C0ED09}" type="pres">
+      <dgm:prSet presAssocID="{70F37D12-D2B6-4CBD-9052-1DE9183D7D78}" presName="ChildText" presStyleLbl="revTx" presStyleIdx="1" presStyleCnt="5">
+        <dgm:presLayoutVars>
+          <dgm:chMax val="0"/>
+          <dgm:chPref val="0"/>
+          <dgm:bulletEnabled val="1"/>
+        </dgm:presLayoutVars>
+      </dgm:prSet>
+      <dgm:spPr/>
+    </dgm:pt>
+    <dgm:pt modelId="{1C37C829-0F88-4E06-B288-920B5E7C62E2}" type="pres">
+      <dgm:prSet presAssocID="{80B0951B-22AB-457F-90D8-C2A76AA084A0}" presName="sibTrans" presStyleCnt="0"/>
+      <dgm:spPr/>
+    </dgm:pt>
+    <dgm:pt modelId="{D3756D9B-F20A-47E6-9DF3-268D32D5CDB9}" type="pres">
+      <dgm:prSet presAssocID="{E3FF241F-F420-41B4-B346-1740DAC85244}" presName="composite" presStyleCnt="0"/>
+      <dgm:spPr/>
+    </dgm:pt>
+    <dgm:pt modelId="{1C516C8B-92B9-4559-B6F9-01AADFEBE6EF}" type="pres">
+      <dgm:prSet presAssocID="{E3FF241F-F420-41B4-B346-1740DAC85244}" presName="bentUpArrow1" presStyleLbl="alignImgPlace1" presStyleIdx="2" presStyleCnt="5"/>
+      <dgm:spPr/>
+    </dgm:pt>
+    <dgm:pt modelId="{31AFE1FE-03F4-4B19-86C2-4BEA01BB07B5}" type="pres">
+      <dgm:prSet presAssocID="{E3FF241F-F420-41B4-B346-1740DAC85244}" presName="ParentText" presStyleLbl="node1" presStyleIdx="2" presStyleCnt="6">
+        <dgm:presLayoutVars>
+          <dgm:chMax val="1"/>
+          <dgm:chPref val="1"/>
+          <dgm:bulletEnabled val="1"/>
+        </dgm:presLayoutVars>
+      </dgm:prSet>
+      <dgm:spPr/>
+      <dgm:t>
+        <a:bodyPr/>
+        <a:lstStyle/>
+        <a:p>
+          <a:endParaRPr lang="en-US"/>
+        </a:p>
+      </dgm:t>
+    </dgm:pt>
+    <dgm:pt modelId="{EE9A8BC2-3272-459E-A79D-2955EDF61322}" type="pres">
+      <dgm:prSet presAssocID="{E3FF241F-F420-41B4-B346-1740DAC85244}" presName="ChildText" presStyleLbl="revTx" presStyleIdx="2" presStyleCnt="5">
+        <dgm:presLayoutVars>
+          <dgm:chMax val="0"/>
+          <dgm:chPref val="0"/>
+          <dgm:bulletEnabled val="1"/>
+        </dgm:presLayoutVars>
+      </dgm:prSet>
+      <dgm:spPr/>
+    </dgm:pt>
+    <dgm:pt modelId="{455DCB20-3002-42AA-9E7F-322E166C9A97}" type="pres">
+      <dgm:prSet presAssocID="{DACD590F-6AF1-40AB-8B8F-CA3A16EF6B78}" presName="sibTrans" presStyleCnt="0"/>
+      <dgm:spPr/>
+    </dgm:pt>
+    <dgm:pt modelId="{EE92AAB6-02B4-481F-9A3A-EBCE672CACED}" type="pres">
+      <dgm:prSet presAssocID="{8AF79D15-9B04-4084-B4EE-B877D35721BD}" presName="composite" presStyleCnt="0"/>
+      <dgm:spPr/>
+    </dgm:pt>
+    <dgm:pt modelId="{C57887CE-EC47-4A04-A1C4-1D25390DB262}" type="pres">
+      <dgm:prSet presAssocID="{8AF79D15-9B04-4084-B4EE-B877D35721BD}" presName="bentUpArrow1" presStyleLbl="alignImgPlace1" presStyleIdx="3" presStyleCnt="5"/>
+      <dgm:spPr/>
+    </dgm:pt>
+    <dgm:pt modelId="{D380048C-C649-432D-ADF3-1490F03B54EE}" type="pres">
+      <dgm:prSet presAssocID="{8AF79D15-9B04-4084-B4EE-B877D35721BD}" presName="ParentText" presStyleLbl="node1" presStyleIdx="3" presStyleCnt="6">
+        <dgm:presLayoutVars>
+          <dgm:chMax val="1"/>
+          <dgm:chPref val="1"/>
+          <dgm:bulletEnabled val="1"/>
+        </dgm:presLayoutVars>
+      </dgm:prSet>
+      <dgm:spPr/>
+      <dgm:t>
+        <a:bodyPr/>
+        <a:lstStyle/>
+        <a:p>
+          <a:endParaRPr lang="en-US"/>
+        </a:p>
+      </dgm:t>
+    </dgm:pt>
+    <dgm:pt modelId="{56319F2F-CFE6-4B4A-87E4-285E4FBBE4BB}" type="pres">
+      <dgm:prSet presAssocID="{8AF79D15-9B04-4084-B4EE-B877D35721BD}" presName="ChildText" presStyleLbl="revTx" presStyleIdx="3" presStyleCnt="5">
+        <dgm:presLayoutVars>
+          <dgm:chMax val="0"/>
+          <dgm:chPref val="0"/>
+          <dgm:bulletEnabled val="1"/>
+        </dgm:presLayoutVars>
+      </dgm:prSet>
+      <dgm:spPr/>
+    </dgm:pt>
+    <dgm:pt modelId="{92ECDEC8-6667-4056-A223-B54CEA6CB551}" type="pres">
+      <dgm:prSet presAssocID="{A11E9315-0D3B-4A64-AF8F-0A1898140593}" presName="sibTrans" presStyleCnt="0"/>
+      <dgm:spPr/>
+    </dgm:pt>
+    <dgm:pt modelId="{DAF9F9D1-97DC-4D69-8DBA-1F4C03DF7CF1}" type="pres">
+      <dgm:prSet presAssocID="{416F8233-8B8C-4056-9EAD-74886A6C910F}" presName="composite" presStyleCnt="0"/>
+      <dgm:spPr/>
+    </dgm:pt>
+    <dgm:pt modelId="{D1244CAB-ED01-4904-91AB-AE56912F20E9}" type="pres">
+      <dgm:prSet presAssocID="{416F8233-8B8C-4056-9EAD-74886A6C910F}" presName="bentUpArrow1" presStyleLbl="alignImgPlace1" presStyleIdx="4" presStyleCnt="5"/>
+      <dgm:spPr/>
+    </dgm:pt>
+    <dgm:pt modelId="{7F8A36A2-801B-4CAA-8FD8-B988090EFCBD}" type="pres">
+      <dgm:prSet presAssocID="{416F8233-8B8C-4056-9EAD-74886A6C910F}" presName="ParentText" presStyleLbl="node1" presStyleIdx="4" presStyleCnt="6">
+        <dgm:presLayoutVars>
+          <dgm:chMax val="1"/>
+          <dgm:chPref val="1"/>
+          <dgm:bulletEnabled val="1"/>
+        </dgm:presLayoutVars>
+      </dgm:prSet>
+      <dgm:spPr/>
+      <dgm:t>
+        <a:bodyPr/>
+        <a:lstStyle/>
+        <a:p>
+          <a:endParaRPr lang="en-US"/>
+        </a:p>
+      </dgm:t>
+    </dgm:pt>
+    <dgm:pt modelId="{8A7BACEC-D037-4C7F-AC2A-1B92AEB6E3A3}" type="pres">
+      <dgm:prSet presAssocID="{416F8233-8B8C-4056-9EAD-74886A6C910F}" presName="ChildText" presStyleLbl="revTx" presStyleIdx="4" presStyleCnt="5">
+        <dgm:presLayoutVars>
+          <dgm:chMax val="0"/>
+          <dgm:chPref val="0"/>
+          <dgm:bulletEnabled val="1"/>
+        </dgm:presLayoutVars>
+      </dgm:prSet>
+      <dgm:spPr/>
+    </dgm:pt>
+    <dgm:pt modelId="{D58917BC-A750-44D2-84D7-8600C8D7D528}" type="pres">
+      <dgm:prSet presAssocID="{2223B398-9A18-4798-9374-881244EFCCE0}" presName="sibTrans" presStyleCnt="0"/>
+      <dgm:spPr/>
+    </dgm:pt>
+    <dgm:pt modelId="{3A1FA2E5-6B69-4A24-896F-8560434F2917}" type="pres">
+      <dgm:prSet presAssocID="{8668630D-4257-4C16-952C-C68F52D0F603}" presName="composite" presStyleCnt="0"/>
+      <dgm:spPr/>
+    </dgm:pt>
+    <dgm:pt modelId="{E6B1D3BB-5395-48A0-9301-C3D9C6E6D6E5}" type="pres">
+      <dgm:prSet presAssocID="{8668630D-4257-4C16-952C-C68F52D0F603}" presName="ParentText" presStyleLbl="node1" presStyleIdx="5" presStyleCnt="6">
+        <dgm:presLayoutVars>
+          <dgm:chMax val="1"/>
+          <dgm:chPref val="1"/>
+          <dgm:bulletEnabled val="1"/>
+        </dgm:presLayoutVars>
+      </dgm:prSet>
+      <dgm:spPr/>
+      <dgm:t>
+        <a:bodyPr/>
+        <a:lstStyle/>
+        <a:p>
+          <a:endParaRPr lang="en-US"/>
+        </a:p>
+      </dgm:t>
+    </dgm:pt>
+  </dgm:ptLst>
+  <dgm:cxnLst>
+    <dgm:cxn modelId="{90BDFCFC-F5B0-42B8-AB6B-498352DA0D58}" type="presOf" srcId="{C192D68C-9B0B-4B75-B7E1-006A07824C91}" destId="{BB39E6F8-000D-4DA3-AA0B-DA0163626789}" srcOrd="0" destOrd="0" presId="urn:microsoft.com/office/officeart/2005/8/layout/StepDownProcess"/>
+    <dgm:cxn modelId="{C5E6BA03-7F67-41E9-A14F-081784D6B161}" srcId="{C192D68C-9B0B-4B75-B7E1-006A07824C91}" destId="{BAEDEE16-BFCD-4B77-8617-F59D17925998}" srcOrd="0" destOrd="0" parTransId="{94F487B6-E2B7-4752-9053-BCF110A559C4}" sibTransId="{235DFDCD-B245-488E-B341-C3AA32278358}"/>
+    <dgm:cxn modelId="{A7F3CD1E-4157-4CC1-B889-2EE2117280A4}" type="presOf" srcId="{8668630D-4257-4C16-952C-C68F52D0F603}" destId="{E6B1D3BB-5395-48A0-9301-C3D9C6E6D6E5}" srcOrd="0" destOrd="0" presId="urn:microsoft.com/office/officeart/2005/8/layout/StepDownProcess"/>
+    <dgm:cxn modelId="{2B622B1C-AF1A-4AED-A6F5-275BC05F15D1}" type="presOf" srcId="{70F37D12-D2B6-4CBD-9052-1DE9183D7D78}" destId="{3411986B-8910-496C-AF70-DE510FFA3FC4}" srcOrd="0" destOrd="0" presId="urn:microsoft.com/office/officeart/2005/8/layout/StepDownProcess"/>
+    <dgm:cxn modelId="{27F07357-5B06-4445-A795-38264A88821F}" srcId="{C192D68C-9B0B-4B75-B7E1-006A07824C91}" destId="{70F37D12-D2B6-4CBD-9052-1DE9183D7D78}" srcOrd="1" destOrd="0" parTransId="{636EBC70-4174-489A-A81B-870A2241A029}" sibTransId="{80B0951B-22AB-457F-90D8-C2A76AA084A0}"/>
+    <dgm:cxn modelId="{1C1ABD29-0DF9-440C-84AC-54677350E1A7}" type="presOf" srcId="{E3FF241F-F420-41B4-B346-1740DAC85244}" destId="{31AFE1FE-03F4-4B19-86C2-4BEA01BB07B5}" srcOrd="0" destOrd="0" presId="urn:microsoft.com/office/officeart/2005/8/layout/StepDownProcess"/>
+    <dgm:cxn modelId="{C15BEF8E-BE17-4518-8DBF-CBCB84C16D66}" srcId="{C192D68C-9B0B-4B75-B7E1-006A07824C91}" destId="{416F8233-8B8C-4056-9EAD-74886A6C910F}" srcOrd="4" destOrd="0" parTransId="{99C6CC99-B967-4717-B493-029589E43731}" sibTransId="{2223B398-9A18-4798-9374-881244EFCCE0}"/>
+    <dgm:cxn modelId="{90A0DB28-9C30-4BE1-BA01-6BC83CC4A2AD}" type="presOf" srcId="{416F8233-8B8C-4056-9EAD-74886A6C910F}" destId="{7F8A36A2-801B-4CAA-8FD8-B988090EFCBD}" srcOrd="0" destOrd="0" presId="urn:microsoft.com/office/officeart/2005/8/layout/StepDownProcess"/>
+    <dgm:cxn modelId="{2BBAAB35-91A9-43E1-970A-6F10ACB0A4DE}" srcId="{C192D68C-9B0B-4B75-B7E1-006A07824C91}" destId="{E3FF241F-F420-41B4-B346-1740DAC85244}" srcOrd="2" destOrd="0" parTransId="{43621B9C-7C06-465B-9C9B-9B11033C90DE}" sibTransId="{DACD590F-6AF1-40AB-8B8F-CA3A16EF6B78}"/>
+    <dgm:cxn modelId="{8A5D0AF3-E2EC-4E4C-BDB9-F0E9BE185C2D}" type="presOf" srcId="{8AF79D15-9B04-4084-B4EE-B877D35721BD}" destId="{D380048C-C649-432D-ADF3-1490F03B54EE}" srcOrd="0" destOrd="0" presId="urn:microsoft.com/office/officeart/2005/8/layout/StepDownProcess"/>
+    <dgm:cxn modelId="{748E9BBA-3380-48B1-B5D5-F160D9C0B45A}" srcId="{C192D68C-9B0B-4B75-B7E1-006A07824C91}" destId="{8668630D-4257-4C16-952C-C68F52D0F603}" srcOrd="5" destOrd="0" parTransId="{FA6B2034-D7D4-4D70-BA7E-0D896A5F0C29}" sibTransId="{2447D2C1-3EAB-4642-86DD-9E901E5644D4}"/>
+    <dgm:cxn modelId="{495A9398-CA84-4A27-A3B9-84B55123C61E}" type="presOf" srcId="{BAEDEE16-BFCD-4B77-8617-F59D17925998}" destId="{1BEBA1B3-443F-4D14-8B78-AD40F2E5974F}" srcOrd="0" destOrd="0" presId="urn:microsoft.com/office/officeart/2005/8/layout/StepDownProcess"/>
+    <dgm:cxn modelId="{AC3684BD-AFA0-408E-9015-CA4A57857814}" srcId="{C192D68C-9B0B-4B75-B7E1-006A07824C91}" destId="{8AF79D15-9B04-4084-B4EE-B877D35721BD}" srcOrd="3" destOrd="0" parTransId="{1ABF4E62-BFD8-40F7-826E-B19768623761}" sibTransId="{A11E9315-0D3B-4A64-AF8F-0A1898140593}"/>
+    <dgm:cxn modelId="{4DBA1046-6043-4A1E-96D8-55B4EC3767F6}" type="presParOf" srcId="{BB39E6F8-000D-4DA3-AA0B-DA0163626789}" destId="{D88B5AAE-AE46-4B3E-B88E-FC86CF0EA404}" srcOrd="0" destOrd="0" presId="urn:microsoft.com/office/officeart/2005/8/layout/StepDownProcess"/>
+    <dgm:cxn modelId="{0922381C-A13F-4572-ABCC-E3D4694626EC}" type="presParOf" srcId="{D88B5AAE-AE46-4B3E-B88E-FC86CF0EA404}" destId="{FD643A9F-F7CD-4D95-ADAF-17D6267239F8}" srcOrd="0" destOrd="0" presId="urn:microsoft.com/office/officeart/2005/8/layout/StepDownProcess"/>
+    <dgm:cxn modelId="{ED3FB06B-D9FC-45B0-974E-12E75231AC3B}" type="presParOf" srcId="{D88B5AAE-AE46-4B3E-B88E-FC86CF0EA404}" destId="{1BEBA1B3-443F-4D14-8B78-AD40F2E5974F}" srcOrd="1" destOrd="0" presId="urn:microsoft.com/office/officeart/2005/8/layout/StepDownProcess"/>
+    <dgm:cxn modelId="{26ACD25C-A737-4ED3-A761-BB81DEB182C0}" type="presParOf" srcId="{D88B5AAE-AE46-4B3E-B88E-FC86CF0EA404}" destId="{16EEE56F-1736-4BF4-B446-C2F886BAFFE5}" srcOrd="2" destOrd="0" presId="urn:microsoft.com/office/officeart/2005/8/layout/StepDownProcess"/>
+    <dgm:cxn modelId="{CBF48276-5D85-465F-A92E-496378004E60}" type="presParOf" srcId="{BB39E6F8-000D-4DA3-AA0B-DA0163626789}" destId="{76140B5A-C8CC-4580-AFF5-DA3C9A80A90F}" srcOrd="1" destOrd="0" presId="urn:microsoft.com/office/officeart/2005/8/layout/StepDownProcess"/>
+    <dgm:cxn modelId="{7885FAE2-CC06-4D63-963A-BC671F8BC7DC}" type="presParOf" srcId="{BB39E6F8-000D-4DA3-AA0B-DA0163626789}" destId="{F50D0B0B-F16E-4FB6-BA27-296944C01C2E}" srcOrd="2" destOrd="0" presId="urn:microsoft.com/office/officeart/2005/8/layout/StepDownProcess"/>
+    <dgm:cxn modelId="{AB626112-278B-49D2-AC7E-A453F31AC360}" type="presParOf" srcId="{F50D0B0B-F16E-4FB6-BA27-296944C01C2E}" destId="{93BB1492-C1F2-4354-AB09-C87BC40254DE}" srcOrd="0" destOrd="0" presId="urn:microsoft.com/office/officeart/2005/8/layout/StepDownProcess"/>
+    <dgm:cxn modelId="{1510EDAD-5B5D-46F6-8683-B1E82B1D333E}" type="presParOf" srcId="{F50D0B0B-F16E-4FB6-BA27-296944C01C2E}" destId="{3411986B-8910-496C-AF70-DE510FFA3FC4}" srcOrd="1" destOrd="0" presId="urn:microsoft.com/office/officeart/2005/8/layout/StepDownProcess"/>
+    <dgm:cxn modelId="{175DDA19-580C-4F17-B640-9CB879D7F1D9}" type="presParOf" srcId="{F50D0B0B-F16E-4FB6-BA27-296944C01C2E}" destId="{E6A77A32-4CCF-4242-9152-DE5F79C0ED09}" srcOrd="2" destOrd="0" presId="urn:microsoft.com/office/officeart/2005/8/layout/StepDownProcess"/>
+    <dgm:cxn modelId="{AC10B8D8-01F1-47CB-A13F-CFF1A3F7B6E2}" type="presParOf" srcId="{BB39E6F8-000D-4DA3-AA0B-DA0163626789}" destId="{1C37C829-0F88-4E06-B288-920B5E7C62E2}" srcOrd="3" destOrd="0" presId="urn:microsoft.com/office/officeart/2005/8/layout/StepDownProcess"/>
+    <dgm:cxn modelId="{05339407-829B-472E-AB02-2E17554EB4A2}" type="presParOf" srcId="{BB39E6F8-000D-4DA3-AA0B-DA0163626789}" destId="{D3756D9B-F20A-47E6-9DF3-268D32D5CDB9}" srcOrd="4" destOrd="0" presId="urn:microsoft.com/office/officeart/2005/8/layout/StepDownProcess"/>
+    <dgm:cxn modelId="{2BEF6014-EC4E-45A2-B6D9-81AC2B989B9F}" type="presParOf" srcId="{D3756D9B-F20A-47E6-9DF3-268D32D5CDB9}" destId="{1C516C8B-92B9-4559-B6F9-01AADFEBE6EF}" srcOrd="0" destOrd="0" presId="urn:microsoft.com/office/officeart/2005/8/layout/StepDownProcess"/>
+    <dgm:cxn modelId="{5543C456-9B74-414E-9C22-142DE8A4CAD1}" type="presParOf" srcId="{D3756D9B-F20A-47E6-9DF3-268D32D5CDB9}" destId="{31AFE1FE-03F4-4B19-86C2-4BEA01BB07B5}" srcOrd="1" destOrd="0" presId="urn:microsoft.com/office/officeart/2005/8/layout/StepDownProcess"/>
+    <dgm:cxn modelId="{D330B5EC-3190-41D5-8C18-52144332CB89}" type="presParOf" srcId="{D3756D9B-F20A-47E6-9DF3-268D32D5CDB9}" destId="{EE9A8BC2-3272-459E-A79D-2955EDF61322}" srcOrd="2" destOrd="0" presId="urn:microsoft.com/office/officeart/2005/8/layout/StepDownProcess"/>
+    <dgm:cxn modelId="{BE4806E7-B6B0-4251-BF97-A465C7D7F027}" type="presParOf" srcId="{BB39E6F8-000D-4DA3-AA0B-DA0163626789}" destId="{455DCB20-3002-42AA-9E7F-322E166C9A97}" srcOrd="5" destOrd="0" presId="urn:microsoft.com/office/officeart/2005/8/layout/StepDownProcess"/>
+    <dgm:cxn modelId="{E78569F0-A3B2-4A68-B6F9-6ADB899CD257}" type="presParOf" srcId="{BB39E6F8-000D-4DA3-AA0B-DA0163626789}" destId="{EE92AAB6-02B4-481F-9A3A-EBCE672CACED}" srcOrd="6" destOrd="0" presId="urn:microsoft.com/office/officeart/2005/8/layout/StepDownProcess"/>
+    <dgm:cxn modelId="{D7BE75B4-FF08-4D3E-B06A-9351A453EDE5}" type="presParOf" srcId="{EE92AAB6-02B4-481F-9A3A-EBCE672CACED}" destId="{C57887CE-EC47-4A04-A1C4-1D25390DB262}" srcOrd="0" destOrd="0" presId="urn:microsoft.com/office/officeart/2005/8/layout/StepDownProcess"/>
+    <dgm:cxn modelId="{21480480-0013-4BA7-846F-5EB7EA45B153}" type="presParOf" srcId="{EE92AAB6-02B4-481F-9A3A-EBCE672CACED}" destId="{D380048C-C649-432D-ADF3-1490F03B54EE}" srcOrd="1" destOrd="0" presId="urn:microsoft.com/office/officeart/2005/8/layout/StepDownProcess"/>
+    <dgm:cxn modelId="{FEAE21B7-9248-4649-8EF3-E2F86DCF7AC4}" type="presParOf" srcId="{EE92AAB6-02B4-481F-9A3A-EBCE672CACED}" destId="{56319F2F-CFE6-4B4A-87E4-285E4FBBE4BB}" srcOrd="2" destOrd="0" presId="urn:microsoft.com/office/officeart/2005/8/layout/StepDownProcess"/>
+    <dgm:cxn modelId="{3EA44E5D-8B89-4930-A063-FC2D7D9988B1}" type="presParOf" srcId="{BB39E6F8-000D-4DA3-AA0B-DA0163626789}" destId="{92ECDEC8-6667-4056-A223-B54CEA6CB551}" srcOrd="7" destOrd="0" presId="urn:microsoft.com/office/officeart/2005/8/layout/StepDownProcess"/>
+    <dgm:cxn modelId="{BD46DB4D-45FB-4511-AE44-5B8631A41C3C}" type="presParOf" srcId="{BB39E6F8-000D-4DA3-AA0B-DA0163626789}" destId="{DAF9F9D1-97DC-4D69-8DBA-1F4C03DF7CF1}" srcOrd="8" destOrd="0" presId="urn:microsoft.com/office/officeart/2005/8/layout/StepDownProcess"/>
+    <dgm:cxn modelId="{051E0E09-BEBE-4332-8B58-14FD8EFADD3B}" type="presParOf" srcId="{DAF9F9D1-97DC-4D69-8DBA-1F4C03DF7CF1}" destId="{D1244CAB-ED01-4904-91AB-AE56912F20E9}" srcOrd="0" destOrd="0" presId="urn:microsoft.com/office/officeart/2005/8/layout/StepDownProcess"/>
+    <dgm:cxn modelId="{CF8C0B78-F5AE-4235-9C55-503FE153BFE8}" type="presParOf" srcId="{DAF9F9D1-97DC-4D69-8DBA-1F4C03DF7CF1}" destId="{7F8A36A2-801B-4CAA-8FD8-B988090EFCBD}" srcOrd="1" destOrd="0" presId="urn:microsoft.com/office/officeart/2005/8/layout/StepDownProcess"/>
+    <dgm:cxn modelId="{F1982A03-DF1D-4E54-A54D-091E34B2CCA8}" type="presParOf" srcId="{DAF9F9D1-97DC-4D69-8DBA-1F4C03DF7CF1}" destId="{8A7BACEC-D037-4C7F-AC2A-1B92AEB6E3A3}" srcOrd="2" destOrd="0" presId="urn:microsoft.com/office/officeart/2005/8/layout/StepDownProcess"/>
+    <dgm:cxn modelId="{272F26BB-7A07-4026-9BB0-EAB42C353CE0}" type="presParOf" srcId="{BB39E6F8-000D-4DA3-AA0B-DA0163626789}" destId="{D58917BC-A750-44D2-84D7-8600C8D7D528}" srcOrd="9" destOrd="0" presId="urn:microsoft.com/office/officeart/2005/8/layout/StepDownProcess"/>
+    <dgm:cxn modelId="{BAAAE82A-60F7-4792-B0C8-20EA808BF9A7}" type="presParOf" srcId="{BB39E6F8-000D-4DA3-AA0B-DA0163626789}" destId="{3A1FA2E5-6B69-4A24-896F-8560434F2917}" srcOrd="10" destOrd="0" presId="urn:microsoft.com/office/officeart/2005/8/layout/StepDownProcess"/>
+    <dgm:cxn modelId="{81F599C3-ABF4-4066-B3FB-20AF568A33D0}" type="presParOf" srcId="{3A1FA2E5-6B69-4A24-896F-8560434F2917}" destId="{E6B1D3BB-5395-48A0-9301-C3D9C6E6D6E5}" srcOrd="0" destOrd="0" presId="urn:microsoft.com/office/officeart/2005/8/layout/StepDownProcess"/>
+  </dgm:cxnLst>
+  <dgm:bg/>
+  <dgm:whole/>
+  <dgm:extLst>
+    <a:ext uri="http://schemas.microsoft.com/office/drawing/2008/diagram">
+      <dsp:dataModelExt xmlns:dsp="http://schemas.microsoft.com/office/drawing/2008/diagram" relId="rId6" minVer="http://schemas.openxmlformats.org/drawingml/2006/diagram"/>
+    </a:ext>
+  </dgm:extLst>
+</dgm:dataModel>
+</file>
+
+<file path=ppt/diagrams/drawing1.xml><?xml version="1.0" encoding="utf-8"?>
+<dsp:drawing xmlns:dgm="http://schemas.openxmlformats.org/drawingml/2006/diagram" xmlns:dsp="http://schemas.microsoft.com/office/drawing/2008/diagram" xmlns:a="http://schemas.openxmlformats.org/drawingml/2006/main">
+  <dsp:spTree>
+    <dsp:nvGrpSpPr>
+      <dsp:cNvPr id="0" name=""/>
+      <dsp:cNvGrpSpPr/>
+    </dsp:nvGrpSpPr>
+    <dsp:grpSpPr/>
+    <dsp:sp modelId="{FD643A9F-F7CD-4D95-ADAF-17D6267239F8}">
+      <dsp:nvSpPr>
+        <dsp:cNvPr id="0" name=""/>
+        <dsp:cNvSpPr/>
+      </dsp:nvSpPr>
+      <dsp:spPr>
+        <a:xfrm rot="5400000">
+          <a:off x="212855" y="1053141"/>
+          <a:ext cx="798972" cy="909601"/>
+        </a:xfrm>
+        <a:prstGeom prst="bentUpArrow">
+          <a:avLst>
+            <a:gd name="adj1" fmla="val 32840"/>
+            <a:gd name="adj2" fmla="val 25000"/>
+            <a:gd name="adj3" fmla="val 35780"/>
+          </a:avLst>
+        </a:prstGeom>
+        <a:solidFill>
+          <a:schemeClr val="accent1">
+            <a:tint val="50000"/>
+            <a:hueOff val="0"/>
+            <a:satOff val="0"/>
+            <a:lumOff val="0"/>
+            <a:alphaOff val="0"/>
+          </a:schemeClr>
+        </a:solidFill>
+        <a:ln w="12700" cap="flat" cmpd="sng" algn="ctr">
+          <a:solidFill>
+            <a:schemeClr val="lt1">
+              <a:hueOff val="0"/>
+              <a:satOff val="0"/>
+              <a:lumOff val="0"/>
+              <a:alphaOff val="0"/>
+            </a:schemeClr>
+          </a:solidFill>
+          <a:prstDash val="solid"/>
+          <a:miter lim="800000"/>
+        </a:ln>
+        <a:effectLst/>
+      </dsp:spPr>
+      <dsp:style>
+        <a:lnRef idx="2">
+          <a:scrgbClr r="0" g="0" b="0"/>
+        </a:lnRef>
+        <a:fillRef idx="1">
+          <a:scrgbClr r="0" g="0" b="0"/>
+        </a:fillRef>
+        <a:effectRef idx="0">
+          <a:scrgbClr r="0" g="0" b="0"/>
+        </a:effectRef>
+        <a:fontRef idx="minor"/>
+      </dsp:style>
+    </dsp:sp>
+    <dsp:sp modelId="{1BEBA1B3-443F-4D14-8B78-AD40F2E5974F}">
+      <dsp:nvSpPr>
+        <dsp:cNvPr id="0" name=""/>
+        <dsp:cNvSpPr/>
+      </dsp:nvSpPr>
+      <dsp:spPr>
+        <a:xfrm>
+          <a:off x="1176" y="245351"/>
+          <a:ext cx="1344999" cy="785682"/>
+        </a:xfrm>
+        <a:prstGeom prst="roundRect">
+          <a:avLst>
+            <a:gd name="adj" fmla="val 16670"/>
+          </a:avLst>
+        </a:prstGeom>
+        <a:solidFill>
+          <a:schemeClr val="accent1">
+            <a:hueOff val="0"/>
+            <a:satOff val="0"/>
+            <a:lumOff val="0"/>
+            <a:alphaOff val="0"/>
+          </a:schemeClr>
+        </a:solidFill>
+        <a:ln w="12700" cap="flat" cmpd="sng" algn="ctr">
+          <a:solidFill>
+            <a:schemeClr val="lt1">
+              <a:hueOff val="0"/>
+              <a:satOff val="0"/>
+              <a:lumOff val="0"/>
+              <a:alphaOff val="0"/>
+            </a:schemeClr>
+          </a:solidFill>
+          <a:prstDash val="solid"/>
+          <a:miter lim="800000"/>
+        </a:ln>
+        <a:effectLst/>
+      </dsp:spPr>
+      <dsp:style>
+        <a:lnRef idx="2">
+          <a:scrgbClr r="0" g="0" b="0"/>
+        </a:lnRef>
+        <a:fillRef idx="1">
+          <a:scrgbClr r="0" g="0" b="0"/>
+        </a:fillRef>
+        <a:effectRef idx="0">
+          <a:scrgbClr r="0" g="0" b="0"/>
+        </a:effectRef>
+        <a:fontRef idx="minor">
+          <a:schemeClr val="lt1"/>
+        </a:fontRef>
+      </dsp:style>
+      <dsp:txBody>
+        <a:bodyPr spcFirstLastPara="0" vert="horz" wrap="square" lIns="41910" tIns="41910" rIns="41910" bIns="41910" numCol="1" spcCol="1270" anchor="ctr" anchorCtr="0">
+          <a:noAutofit/>
+        </a:bodyPr>
+        <a:lstStyle/>
+        <a:p>
+          <a:pPr lvl="0" algn="l" defTabSz="488950">
+            <a:lnSpc>
+              <a:spcPct val="90000"/>
+            </a:lnSpc>
+            <a:spcBef>
+              <a:spcPct val="0"/>
+            </a:spcBef>
+            <a:spcAft>
+              <a:spcPct val="35000"/>
+            </a:spcAft>
+          </a:pPr>
+          <a:r>
+            <a:rPr lang="en-US" sz="1100" kern="1200" dirty="0" smtClean="0"/>
+            <a:t>main()</a:t>
+          </a:r>
+        </a:p>
+        <a:p>
+          <a:pPr lvl="0" algn="l" defTabSz="488950">
+            <a:lnSpc>
+              <a:spcPct val="90000"/>
+            </a:lnSpc>
+            <a:spcBef>
+              <a:spcPct val="0"/>
+            </a:spcBef>
+            <a:spcAft>
+              <a:spcPct val="35000"/>
+            </a:spcAft>
+          </a:pPr>
+          <a:r>
+            <a:rPr lang="en-US" sz="1100" kern="1200" dirty="0" smtClean="0"/>
+            <a:t>14 calls fact(5)</a:t>
+          </a:r>
+        </a:p>
+      </dsp:txBody>
+      <dsp:txXfrm>
+        <a:off x="39537" y="283712"/>
+        <a:ext cx="1268277" cy="708960"/>
+      </dsp:txXfrm>
+    </dsp:sp>
+    <dsp:sp modelId="{16EEE56F-1736-4BF4-B446-C2F886BAFFE5}">
+      <dsp:nvSpPr>
+        <dsp:cNvPr id="0" name=""/>
+        <dsp:cNvSpPr/>
+      </dsp:nvSpPr>
+      <dsp:spPr>
+        <a:xfrm>
+          <a:off x="1346175" y="257254"/>
+          <a:ext cx="978224" cy="760926"/>
+        </a:xfrm>
+        <a:prstGeom prst="rect">
+          <a:avLst/>
+        </a:prstGeom>
+        <a:noFill/>
+        <a:ln>
+          <a:noFill/>
+        </a:ln>
+        <a:effectLst/>
+      </dsp:spPr>
+      <dsp:style>
+        <a:lnRef idx="0">
+          <a:scrgbClr r="0" g="0" b="0"/>
+        </a:lnRef>
+        <a:fillRef idx="0">
+          <a:scrgbClr r="0" g="0" b="0"/>
+        </a:fillRef>
+        <a:effectRef idx="0">
+          <a:scrgbClr r="0" g="0" b="0"/>
+        </a:effectRef>
+        <a:fontRef idx="minor"/>
+      </dsp:style>
+    </dsp:sp>
+    <dsp:sp modelId="{93BB1492-C1F2-4354-AB09-C87BC40254DE}">
+      <dsp:nvSpPr>
+        <dsp:cNvPr id="0" name=""/>
+        <dsp:cNvSpPr/>
+      </dsp:nvSpPr>
+      <dsp:spPr>
+        <a:xfrm rot="5400000">
+          <a:off x="1328002" y="2110707"/>
+          <a:ext cx="798972" cy="909601"/>
+        </a:xfrm>
+        <a:prstGeom prst="bentUpArrow">
+          <a:avLst>
+            <a:gd name="adj1" fmla="val 32840"/>
+            <a:gd name="adj2" fmla="val 25000"/>
+            <a:gd name="adj3" fmla="val 35780"/>
+          </a:avLst>
+        </a:prstGeom>
+        <a:solidFill>
+          <a:schemeClr val="accent1">
+            <a:tint val="50000"/>
+            <a:hueOff val="0"/>
+            <a:satOff val="0"/>
+            <a:lumOff val="0"/>
+            <a:alphaOff val="0"/>
+          </a:schemeClr>
+        </a:solidFill>
+        <a:ln w="12700" cap="flat" cmpd="sng" algn="ctr">
+          <a:solidFill>
+            <a:schemeClr val="lt1">
+              <a:hueOff val="0"/>
+              <a:satOff val="0"/>
+              <a:lumOff val="0"/>
+              <a:alphaOff val="0"/>
+            </a:schemeClr>
+          </a:solidFill>
+          <a:prstDash val="solid"/>
+          <a:miter lim="800000"/>
+        </a:ln>
+        <a:effectLst/>
+      </dsp:spPr>
+      <dsp:style>
+        <a:lnRef idx="2">
+          <a:scrgbClr r="0" g="0" b="0"/>
+        </a:lnRef>
+        <a:fillRef idx="1">
+          <a:scrgbClr r="0" g="0" b="0"/>
+        </a:fillRef>
+        <a:effectRef idx="0">
+          <a:scrgbClr r="0" g="0" b="0"/>
+        </a:effectRef>
+        <a:fontRef idx="minor"/>
+      </dsp:style>
+    </dsp:sp>
+    <dsp:sp modelId="{3411986B-8910-496C-AF70-DE510FFA3FC4}">
+      <dsp:nvSpPr>
+        <dsp:cNvPr id="0" name=""/>
+        <dsp:cNvSpPr/>
+      </dsp:nvSpPr>
+      <dsp:spPr>
+        <a:xfrm>
+          <a:off x="1116323" y="1225030"/>
+          <a:ext cx="1344999" cy="941455"/>
+        </a:xfrm>
+        <a:prstGeom prst="roundRect">
+          <a:avLst>
+            <a:gd name="adj" fmla="val 16670"/>
+          </a:avLst>
+        </a:prstGeom>
+        <a:solidFill>
+          <a:schemeClr val="accent1">
+            <a:hueOff val="0"/>
+            <a:satOff val="0"/>
+            <a:lumOff val="0"/>
+            <a:alphaOff val="0"/>
+          </a:schemeClr>
+        </a:solidFill>
+        <a:ln w="12700" cap="flat" cmpd="sng" algn="ctr">
+          <a:solidFill>
+            <a:schemeClr val="lt1">
+              <a:hueOff val="0"/>
+              <a:satOff val="0"/>
+              <a:lumOff val="0"/>
+              <a:alphaOff val="0"/>
+            </a:schemeClr>
+          </a:solidFill>
+          <a:prstDash val="solid"/>
+          <a:miter lim="800000"/>
+        </a:ln>
+        <a:effectLst/>
+      </dsp:spPr>
+      <dsp:style>
+        <a:lnRef idx="2">
+          <a:scrgbClr r="0" g="0" b="0"/>
+        </a:lnRef>
+        <a:fillRef idx="1">
+          <a:scrgbClr r="0" g="0" b="0"/>
+        </a:fillRef>
+        <a:effectRef idx="0">
+          <a:scrgbClr r="0" g="0" b="0"/>
+        </a:effectRef>
+        <a:fontRef idx="minor">
+          <a:schemeClr val="lt1"/>
+        </a:fontRef>
+      </dsp:style>
+      <dsp:txBody>
+        <a:bodyPr spcFirstLastPara="0" vert="horz" wrap="square" lIns="41910" tIns="41910" rIns="41910" bIns="41910" numCol="1" spcCol="1270" anchor="ctr" anchorCtr="0">
+          <a:noAutofit/>
+        </a:bodyPr>
+        <a:lstStyle/>
+        <a:p>
+          <a:pPr lvl="0" algn="l" defTabSz="488950">
+            <a:lnSpc>
+              <a:spcPct val="90000"/>
+            </a:lnSpc>
+            <a:spcBef>
+              <a:spcPct val="0"/>
+            </a:spcBef>
+            <a:spcAft>
+              <a:spcPct val="35000"/>
+            </a:spcAft>
+          </a:pPr>
+          <a:r>
+            <a:rPr lang="en-US" sz="1100" kern="1200" dirty="0" smtClean="0"/>
+            <a:t>fact(5)  : n= 5</a:t>
+          </a:r>
+        </a:p>
+        <a:p>
+          <a:pPr lvl="0" algn="l" defTabSz="488950">
+            <a:lnSpc>
+              <a:spcPct val="90000"/>
+            </a:lnSpc>
+            <a:spcBef>
+              <a:spcPct val="0"/>
+            </a:spcBef>
+            <a:spcAft>
+              <a:spcPct val="35000"/>
+            </a:spcAft>
+          </a:pPr>
+          <a:r>
+            <a:rPr lang="en-US" sz="1100" kern="1200" dirty="0" smtClean="0"/>
+            <a:t>9 calls fact(4)</a:t>
+          </a:r>
+        </a:p>
+        <a:p>
+          <a:pPr lvl="0" algn="l" defTabSz="488950">
+            <a:lnSpc>
+              <a:spcPct val="90000"/>
+            </a:lnSpc>
+            <a:spcBef>
+              <a:spcPct val="0"/>
+            </a:spcBef>
+            <a:spcAft>
+              <a:spcPct val="35000"/>
+            </a:spcAft>
+          </a:pPr>
+          <a:endParaRPr lang="en-US" sz="1100" kern="1200" dirty="0"/>
+        </a:p>
+      </dsp:txBody>
+      <dsp:txXfrm>
+        <a:off x="1162289" y="1270996"/>
+        <a:ext cx="1253067" cy="849523"/>
+      </dsp:txXfrm>
+    </dsp:sp>
+    <dsp:sp modelId="{E6A77A32-4CCF-4242-9152-DE5F79C0ED09}">
+      <dsp:nvSpPr>
+        <dsp:cNvPr id="0" name=""/>
+        <dsp:cNvSpPr/>
+      </dsp:nvSpPr>
+      <dsp:spPr>
+        <a:xfrm>
+          <a:off x="2461322" y="1314819"/>
+          <a:ext cx="978224" cy="760926"/>
+        </a:xfrm>
+        <a:prstGeom prst="rect">
+          <a:avLst/>
+        </a:prstGeom>
+        <a:noFill/>
+        <a:ln>
+          <a:noFill/>
+        </a:ln>
+        <a:effectLst/>
+      </dsp:spPr>
+      <dsp:style>
+        <a:lnRef idx="0">
+          <a:scrgbClr r="0" g="0" b="0"/>
+        </a:lnRef>
+        <a:fillRef idx="0">
+          <a:scrgbClr r="0" g="0" b="0"/>
+        </a:fillRef>
+        <a:effectRef idx="0">
+          <a:scrgbClr r="0" g="0" b="0"/>
+        </a:effectRef>
+        <a:fontRef idx="minor"/>
+      </dsp:style>
+    </dsp:sp>
+    <dsp:sp modelId="{1C516C8B-92B9-4559-B6F9-01AADFEBE6EF}">
+      <dsp:nvSpPr>
+        <dsp:cNvPr id="0" name=""/>
+        <dsp:cNvSpPr/>
+      </dsp:nvSpPr>
+      <dsp:spPr>
+        <a:xfrm rot="5400000">
+          <a:off x="2443149" y="3168272"/>
+          <a:ext cx="798972" cy="909601"/>
+        </a:xfrm>
+        <a:prstGeom prst="bentUpArrow">
+          <a:avLst>
+            <a:gd name="adj1" fmla="val 32840"/>
+            <a:gd name="adj2" fmla="val 25000"/>
+            <a:gd name="adj3" fmla="val 35780"/>
+          </a:avLst>
+        </a:prstGeom>
+        <a:solidFill>
+          <a:schemeClr val="accent1">
+            <a:tint val="50000"/>
+            <a:hueOff val="0"/>
+            <a:satOff val="0"/>
+            <a:lumOff val="0"/>
+            <a:alphaOff val="0"/>
+          </a:schemeClr>
+        </a:solidFill>
+        <a:ln w="12700" cap="flat" cmpd="sng" algn="ctr">
+          <a:solidFill>
+            <a:schemeClr val="lt1">
+              <a:hueOff val="0"/>
+              <a:satOff val="0"/>
+              <a:lumOff val="0"/>
+              <a:alphaOff val="0"/>
+            </a:schemeClr>
+          </a:solidFill>
+          <a:prstDash val="solid"/>
+          <a:miter lim="800000"/>
+        </a:ln>
+        <a:effectLst/>
+      </dsp:spPr>
+      <dsp:style>
+        <a:lnRef idx="2">
+          <a:scrgbClr r="0" g="0" b="0"/>
+        </a:lnRef>
+        <a:fillRef idx="1">
+          <a:scrgbClr r="0" g="0" b="0"/>
+        </a:fillRef>
+        <a:effectRef idx="0">
+          <a:scrgbClr r="0" g="0" b="0"/>
+        </a:effectRef>
+        <a:fontRef idx="minor"/>
+      </dsp:style>
+    </dsp:sp>
+    <dsp:sp modelId="{31AFE1FE-03F4-4B19-86C2-4BEA01BB07B5}">
+      <dsp:nvSpPr>
+        <dsp:cNvPr id="0" name=""/>
+        <dsp:cNvSpPr/>
+      </dsp:nvSpPr>
+      <dsp:spPr>
+        <a:xfrm>
+          <a:off x="2231470" y="2282596"/>
+          <a:ext cx="1344999" cy="941455"/>
+        </a:xfrm>
+        <a:prstGeom prst="roundRect">
+          <a:avLst>
+            <a:gd name="adj" fmla="val 16670"/>
+          </a:avLst>
+        </a:prstGeom>
+        <a:solidFill>
+          <a:schemeClr val="accent1">
+            <a:hueOff val="0"/>
+            <a:satOff val="0"/>
+            <a:lumOff val="0"/>
+            <a:alphaOff val="0"/>
+          </a:schemeClr>
+        </a:solidFill>
+        <a:ln w="12700" cap="flat" cmpd="sng" algn="ctr">
+          <a:solidFill>
+            <a:schemeClr val="lt1">
+              <a:hueOff val="0"/>
+              <a:satOff val="0"/>
+              <a:lumOff val="0"/>
+              <a:alphaOff val="0"/>
+            </a:schemeClr>
+          </a:solidFill>
+          <a:prstDash val="solid"/>
+          <a:miter lim="800000"/>
+        </a:ln>
+        <a:effectLst/>
+      </dsp:spPr>
+      <dsp:style>
+        <a:lnRef idx="2">
+          <a:scrgbClr r="0" g="0" b="0"/>
+        </a:lnRef>
+        <a:fillRef idx="1">
+          <a:scrgbClr r="0" g="0" b="0"/>
+        </a:fillRef>
+        <a:effectRef idx="0">
+          <a:scrgbClr r="0" g="0" b="0"/>
+        </a:effectRef>
+        <a:fontRef idx="minor">
+          <a:schemeClr val="lt1"/>
+        </a:fontRef>
+      </dsp:style>
+      <dsp:txBody>
+        <a:bodyPr spcFirstLastPara="0" vert="horz" wrap="square" lIns="41910" tIns="41910" rIns="41910" bIns="41910" numCol="1" spcCol="1270" anchor="ctr" anchorCtr="0">
+          <a:noAutofit/>
+        </a:bodyPr>
+        <a:lstStyle/>
+        <a:p>
+          <a:pPr lvl="0" algn="l" defTabSz="488950">
+            <a:lnSpc>
+              <a:spcPct val="90000"/>
+            </a:lnSpc>
+            <a:spcBef>
+              <a:spcPct val="0"/>
+            </a:spcBef>
+            <a:spcAft>
+              <a:spcPct val="35000"/>
+            </a:spcAft>
+          </a:pPr>
+          <a:r>
+            <a:rPr lang="en-US" sz="1100" kern="1200" dirty="0" smtClean="0"/>
+            <a:t>fact(4)  : n=4 </a:t>
+          </a:r>
+        </a:p>
+        <a:p>
+          <a:pPr lvl="0" algn="l" defTabSz="488950">
+            <a:lnSpc>
+              <a:spcPct val="90000"/>
+            </a:lnSpc>
+            <a:spcBef>
+              <a:spcPct val="0"/>
+            </a:spcBef>
+            <a:spcAft>
+              <a:spcPct val="35000"/>
+            </a:spcAft>
+          </a:pPr>
+          <a:r>
+            <a:rPr lang="en-US" sz="1100" kern="1200" dirty="0" smtClean="0"/>
+            <a:t>9 calls fact(3)</a:t>
+          </a:r>
+        </a:p>
+        <a:p>
+          <a:pPr lvl="0" algn="ctr" defTabSz="488950">
+            <a:lnSpc>
+              <a:spcPct val="90000"/>
+            </a:lnSpc>
+            <a:spcBef>
+              <a:spcPct val="0"/>
+            </a:spcBef>
+            <a:spcAft>
+              <a:spcPct val="35000"/>
+            </a:spcAft>
+          </a:pPr>
+          <a:endParaRPr lang="en-US" sz="1100" kern="1200" dirty="0"/>
+        </a:p>
+      </dsp:txBody>
+      <dsp:txXfrm>
+        <a:off x="2277436" y="2328562"/>
+        <a:ext cx="1253067" cy="849523"/>
+      </dsp:txXfrm>
+    </dsp:sp>
+    <dsp:sp modelId="{EE9A8BC2-3272-459E-A79D-2955EDF61322}">
+      <dsp:nvSpPr>
+        <dsp:cNvPr id="0" name=""/>
+        <dsp:cNvSpPr/>
+      </dsp:nvSpPr>
+      <dsp:spPr>
+        <a:xfrm>
+          <a:off x="3576469" y="2372385"/>
+          <a:ext cx="978224" cy="760926"/>
+        </a:xfrm>
+        <a:prstGeom prst="rect">
+          <a:avLst/>
+        </a:prstGeom>
+        <a:noFill/>
+        <a:ln>
+          <a:noFill/>
+        </a:ln>
+        <a:effectLst/>
+      </dsp:spPr>
+      <dsp:style>
+        <a:lnRef idx="0">
+          <a:scrgbClr r="0" g="0" b="0"/>
+        </a:lnRef>
+        <a:fillRef idx="0">
+          <a:scrgbClr r="0" g="0" b="0"/>
+        </a:fillRef>
+        <a:effectRef idx="0">
+          <a:scrgbClr r="0" g="0" b="0"/>
+        </a:effectRef>
+        <a:fontRef idx="minor"/>
+      </dsp:style>
+    </dsp:sp>
+    <dsp:sp modelId="{C57887CE-EC47-4A04-A1C4-1D25390DB262}">
+      <dsp:nvSpPr>
+        <dsp:cNvPr id="0" name=""/>
+        <dsp:cNvSpPr/>
+      </dsp:nvSpPr>
+      <dsp:spPr>
+        <a:xfrm rot="5400000">
+          <a:off x="3558297" y="4225838"/>
+          <a:ext cx="798972" cy="909601"/>
+        </a:xfrm>
+        <a:prstGeom prst="bentUpArrow">
+          <a:avLst>
+            <a:gd name="adj1" fmla="val 32840"/>
+            <a:gd name="adj2" fmla="val 25000"/>
+            <a:gd name="adj3" fmla="val 35780"/>
+          </a:avLst>
+        </a:prstGeom>
+        <a:solidFill>
+          <a:schemeClr val="accent1">
+            <a:tint val="50000"/>
+            <a:hueOff val="0"/>
+            <a:satOff val="0"/>
+            <a:lumOff val="0"/>
+            <a:alphaOff val="0"/>
+          </a:schemeClr>
+        </a:solidFill>
+        <a:ln w="12700" cap="flat" cmpd="sng" algn="ctr">
+          <a:solidFill>
+            <a:schemeClr val="lt1">
+              <a:hueOff val="0"/>
+              <a:satOff val="0"/>
+              <a:lumOff val="0"/>
+              <a:alphaOff val="0"/>
+            </a:schemeClr>
+          </a:solidFill>
+          <a:prstDash val="solid"/>
+          <a:miter lim="800000"/>
+        </a:ln>
+        <a:effectLst/>
+      </dsp:spPr>
+      <dsp:style>
+        <a:lnRef idx="2">
+          <a:scrgbClr r="0" g="0" b="0"/>
+        </a:lnRef>
+        <a:fillRef idx="1">
+          <a:scrgbClr r="0" g="0" b="0"/>
+        </a:fillRef>
+        <a:effectRef idx="0">
+          <a:scrgbClr r="0" g="0" b="0"/>
+        </a:effectRef>
+        <a:fontRef idx="minor"/>
+      </dsp:style>
+    </dsp:sp>
+    <dsp:sp modelId="{D380048C-C649-432D-ADF3-1490F03B54EE}">
+      <dsp:nvSpPr>
+        <dsp:cNvPr id="0" name=""/>
+        <dsp:cNvSpPr/>
+      </dsp:nvSpPr>
+      <dsp:spPr>
+        <a:xfrm>
+          <a:off x="3346618" y="3340161"/>
+          <a:ext cx="1344999" cy="941455"/>
+        </a:xfrm>
+        <a:prstGeom prst="roundRect">
+          <a:avLst>
+            <a:gd name="adj" fmla="val 16670"/>
+          </a:avLst>
+        </a:prstGeom>
+        <a:solidFill>
+          <a:schemeClr val="accent1">
+            <a:hueOff val="0"/>
+            <a:satOff val="0"/>
+            <a:lumOff val="0"/>
+            <a:alphaOff val="0"/>
+          </a:schemeClr>
+        </a:solidFill>
+        <a:ln w="12700" cap="flat" cmpd="sng" algn="ctr">
+          <a:solidFill>
+            <a:schemeClr val="lt1">
+              <a:hueOff val="0"/>
+              <a:satOff val="0"/>
+              <a:lumOff val="0"/>
+              <a:alphaOff val="0"/>
+            </a:schemeClr>
+          </a:solidFill>
+          <a:prstDash val="solid"/>
+          <a:miter lim="800000"/>
+        </a:ln>
+        <a:effectLst/>
+      </dsp:spPr>
+      <dsp:style>
+        <a:lnRef idx="2">
+          <a:scrgbClr r="0" g="0" b="0"/>
+        </a:lnRef>
+        <a:fillRef idx="1">
+          <a:scrgbClr r="0" g="0" b="0"/>
+        </a:fillRef>
+        <a:effectRef idx="0">
+          <a:scrgbClr r="0" g="0" b="0"/>
+        </a:effectRef>
+        <a:fontRef idx="minor">
+          <a:schemeClr val="lt1"/>
+        </a:fontRef>
+      </dsp:style>
+      <dsp:txBody>
+        <a:bodyPr spcFirstLastPara="0" vert="horz" wrap="square" lIns="41910" tIns="41910" rIns="41910" bIns="41910" numCol="1" spcCol="1270" anchor="ctr" anchorCtr="0">
+          <a:noAutofit/>
+        </a:bodyPr>
+        <a:lstStyle/>
+        <a:p>
+          <a:pPr lvl="0" algn="l" defTabSz="488950">
+            <a:lnSpc>
+              <a:spcPct val="90000"/>
+            </a:lnSpc>
+            <a:spcBef>
+              <a:spcPct val="0"/>
+            </a:spcBef>
+            <a:spcAft>
+              <a:spcPct val="35000"/>
+            </a:spcAft>
+          </a:pPr>
+          <a:r>
+            <a:rPr lang="en-US" sz="1100" kern="1200" dirty="0" smtClean="0"/>
+            <a:t>fact(3)  : n=3 </a:t>
+          </a:r>
+        </a:p>
+        <a:p>
+          <a:pPr lvl="0" algn="l" defTabSz="488950">
+            <a:lnSpc>
+              <a:spcPct val="90000"/>
+            </a:lnSpc>
+            <a:spcBef>
+              <a:spcPct val="0"/>
+            </a:spcBef>
+            <a:spcAft>
+              <a:spcPct val="35000"/>
+            </a:spcAft>
+          </a:pPr>
+          <a:r>
+            <a:rPr lang="en-US" sz="1100" kern="1200" dirty="0" smtClean="0"/>
+            <a:t>9 calls fact(2)</a:t>
+          </a:r>
+        </a:p>
+      </dsp:txBody>
+      <dsp:txXfrm>
+        <a:off x="3392584" y="3386127"/>
+        <a:ext cx="1253067" cy="849523"/>
+      </dsp:txXfrm>
+    </dsp:sp>
+    <dsp:sp modelId="{56319F2F-CFE6-4B4A-87E4-285E4FBBE4BB}">
+      <dsp:nvSpPr>
+        <dsp:cNvPr id="0" name=""/>
+        <dsp:cNvSpPr/>
+      </dsp:nvSpPr>
+      <dsp:spPr>
+        <a:xfrm>
+          <a:off x="4691617" y="3429950"/>
+          <a:ext cx="978224" cy="760926"/>
+        </a:xfrm>
+        <a:prstGeom prst="rect">
+          <a:avLst/>
+        </a:prstGeom>
+        <a:noFill/>
+        <a:ln>
+          <a:noFill/>
+        </a:ln>
+        <a:effectLst/>
+      </dsp:spPr>
+      <dsp:style>
+        <a:lnRef idx="0">
+          <a:scrgbClr r="0" g="0" b="0"/>
+        </a:lnRef>
+        <a:fillRef idx="0">
+          <a:scrgbClr r="0" g="0" b="0"/>
+        </a:fillRef>
+        <a:effectRef idx="0">
+          <a:scrgbClr r="0" g="0" b="0"/>
+        </a:effectRef>
+        <a:fontRef idx="minor"/>
+      </dsp:style>
+    </dsp:sp>
+    <dsp:sp modelId="{D1244CAB-ED01-4904-91AB-AE56912F20E9}">
+      <dsp:nvSpPr>
+        <dsp:cNvPr id="0" name=""/>
+        <dsp:cNvSpPr/>
+      </dsp:nvSpPr>
+      <dsp:spPr>
+        <a:xfrm rot="5400000">
+          <a:off x="4673444" y="5283403"/>
+          <a:ext cx="798972" cy="909601"/>
+        </a:xfrm>
+        <a:prstGeom prst="bentUpArrow">
+          <a:avLst>
+            <a:gd name="adj1" fmla="val 32840"/>
+            <a:gd name="adj2" fmla="val 25000"/>
+            <a:gd name="adj3" fmla="val 35780"/>
+          </a:avLst>
+        </a:prstGeom>
+        <a:solidFill>
+          <a:schemeClr val="accent1">
+            <a:tint val="50000"/>
+            <a:hueOff val="0"/>
+            <a:satOff val="0"/>
+            <a:lumOff val="0"/>
+            <a:alphaOff val="0"/>
+          </a:schemeClr>
+        </a:solidFill>
+        <a:ln w="12700" cap="flat" cmpd="sng" algn="ctr">
+          <a:solidFill>
+            <a:schemeClr val="lt1">
+              <a:hueOff val="0"/>
+              <a:satOff val="0"/>
+              <a:lumOff val="0"/>
+              <a:alphaOff val="0"/>
+            </a:schemeClr>
+          </a:solidFill>
+          <a:prstDash val="solid"/>
+          <a:miter lim="800000"/>
+        </a:ln>
+        <a:effectLst/>
+      </dsp:spPr>
+      <dsp:style>
+        <a:lnRef idx="2">
+          <a:scrgbClr r="0" g="0" b="0"/>
+        </a:lnRef>
+        <a:fillRef idx="1">
+          <a:scrgbClr r="0" g="0" b="0"/>
+        </a:fillRef>
+        <a:effectRef idx="0">
+          <a:scrgbClr r="0" g="0" b="0"/>
+        </a:effectRef>
+        <a:fontRef idx="minor"/>
+      </dsp:style>
+    </dsp:sp>
+    <dsp:sp modelId="{7F8A36A2-801B-4CAA-8FD8-B988090EFCBD}">
+      <dsp:nvSpPr>
+        <dsp:cNvPr id="0" name=""/>
+        <dsp:cNvSpPr/>
+      </dsp:nvSpPr>
+      <dsp:spPr>
+        <a:xfrm>
+          <a:off x="4461765" y="4397727"/>
+          <a:ext cx="1344999" cy="941455"/>
+        </a:xfrm>
+        <a:prstGeom prst="roundRect">
+          <a:avLst>
+            <a:gd name="adj" fmla="val 16670"/>
+          </a:avLst>
+        </a:prstGeom>
+        <a:solidFill>
+          <a:schemeClr val="accent1">
+            <a:hueOff val="0"/>
+            <a:satOff val="0"/>
+            <a:lumOff val="0"/>
+            <a:alphaOff val="0"/>
+          </a:schemeClr>
+        </a:solidFill>
+        <a:ln w="12700" cap="flat" cmpd="sng" algn="ctr">
+          <a:solidFill>
+            <a:schemeClr val="lt1">
+              <a:hueOff val="0"/>
+              <a:satOff val="0"/>
+              <a:lumOff val="0"/>
+              <a:alphaOff val="0"/>
+            </a:schemeClr>
+          </a:solidFill>
+          <a:prstDash val="solid"/>
+          <a:miter lim="800000"/>
+        </a:ln>
+        <a:effectLst/>
+      </dsp:spPr>
+      <dsp:style>
+        <a:lnRef idx="2">
+          <a:scrgbClr r="0" g="0" b="0"/>
+        </a:lnRef>
+        <a:fillRef idx="1">
+          <a:scrgbClr r="0" g="0" b="0"/>
+        </a:fillRef>
+        <a:effectRef idx="0">
+          <a:scrgbClr r="0" g="0" b="0"/>
+        </a:effectRef>
+        <a:fontRef idx="minor">
+          <a:schemeClr val="lt1"/>
+        </a:fontRef>
+      </dsp:style>
+      <dsp:txBody>
+        <a:bodyPr spcFirstLastPara="0" vert="horz" wrap="square" lIns="41910" tIns="41910" rIns="41910" bIns="41910" numCol="1" spcCol="1270" anchor="ctr" anchorCtr="0">
+          <a:noAutofit/>
+        </a:bodyPr>
+        <a:lstStyle/>
+        <a:p>
+          <a:pPr lvl="0" algn="l" defTabSz="488950">
+            <a:lnSpc>
+              <a:spcPct val="90000"/>
+            </a:lnSpc>
+            <a:spcBef>
+              <a:spcPct val="0"/>
+            </a:spcBef>
+            <a:spcAft>
+              <a:spcPct val="35000"/>
+            </a:spcAft>
+          </a:pPr>
+          <a:r>
+            <a:rPr lang="en-US" sz="1100" kern="1200" dirty="0" smtClean="0"/>
+            <a:t>fact(2)  : n=2 </a:t>
+          </a:r>
+        </a:p>
+        <a:p>
+          <a:pPr lvl="0" algn="l" defTabSz="488950">
+            <a:lnSpc>
+              <a:spcPct val="90000"/>
+            </a:lnSpc>
+            <a:spcBef>
+              <a:spcPct val="0"/>
+            </a:spcBef>
+            <a:spcAft>
+              <a:spcPct val="35000"/>
+            </a:spcAft>
+          </a:pPr>
+          <a:r>
+            <a:rPr lang="en-US" sz="1100" kern="1200" dirty="0" smtClean="0"/>
+            <a:t>9 calls fact(1)</a:t>
+          </a:r>
+        </a:p>
+        <a:p>
+          <a:pPr lvl="0" algn="l" defTabSz="488950">
+            <a:lnSpc>
+              <a:spcPct val="90000"/>
+            </a:lnSpc>
+            <a:spcBef>
+              <a:spcPct val="0"/>
+            </a:spcBef>
+            <a:spcAft>
+              <a:spcPct val="35000"/>
+            </a:spcAft>
+          </a:pPr>
+          <a:endParaRPr lang="en-US" sz="1100" kern="1200" dirty="0" smtClean="0"/>
+        </a:p>
+      </dsp:txBody>
+      <dsp:txXfrm>
+        <a:off x="4507731" y="4443693"/>
+        <a:ext cx="1253067" cy="849523"/>
+      </dsp:txXfrm>
+    </dsp:sp>
+    <dsp:sp modelId="{8A7BACEC-D037-4C7F-AC2A-1B92AEB6E3A3}">
+      <dsp:nvSpPr>
+        <dsp:cNvPr id="0" name=""/>
+        <dsp:cNvSpPr/>
+      </dsp:nvSpPr>
+      <dsp:spPr>
+        <a:xfrm>
+          <a:off x="5806764" y="4487516"/>
+          <a:ext cx="978224" cy="760926"/>
+        </a:xfrm>
+        <a:prstGeom prst="rect">
+          <a:avLst/>
+        </a:prstGeom>
+        <a:noFill/>
+        <a:ln>
+          <a:noFill/>
+        </a:ln>
+        <a:effectLst/>
+      </dsp:spPr>
+      <dsp:style>
+        <a:lnRef idx="0">
+          <a:scrgbClr r="0" g="0" b="0"/>
+        </a:lnRef>
+        <a:fillRef idx="0">
+          <a:scrgbClr r="0" g="0" b="0"/>
+        </a:fillRef>
+        <a:effectRef idx="0">
+          <a:scrgbClr r="0" g="0" b="0"/>
+        </a:effectRef>
+        <a:fontRef idx="minor"/>
+      </dsp:style>
+    </dsp:sp>
+    <dsp:sp modelId="{E6B1D3BB-5395-48A0-9301-C3D9C6E6D6E5}">
+      <dsp:nvSpPr>
+        <dsp:cNvPr id="0" name=""/>
+        <dsp:cNvSpPr/>
+      </dsp:nvSpPr>
+      <dsp:spPr>
+        <a:xfrm>
+          <a:off x="5576912" y="5455292"/>
+          <a:ext cx="1344999" cy="941455"/>
+        </a:xfrm>
+        <a:prstGeom prst="roundRect">
+          <a:avLst>
+            <a:gd name="adj" fmla="val 16670"/>
+          </a:avLst>
+        </a:prstGeom>
+        <a:solidFill>
+          <a:schemeClr val="accent1">
+            <a:hueOff val="0"/>
+            <a:satOff val="0"/>
+            <a:lumOff val="0"/>
+            <a:alphaOff val="0"/>
+          </a:schemeClr>
+        </a:solidFill>
+        <a:ln w="12700" cap="flat" cmpd="sng" algn="ctr">
+          <a:solidFill>
+            <a:schemeClr val="lt1">
+              <a:hueOff val="0"/>
+              <a:satOff val="0"/>
+              <a:lumOff val="0"/>
+              <a:alphaOff val="0"/>
+            </a:schemeClr>
+          </a:solidFill>
+          <a:prstDash val="solid"/>
+          <a:miter lim="800000"/>
+        </a:ln>
+        <a:effectLst/>
+      </dsp:spPr>
+      <dsp:style>
+        <a:lnRef idx="2">
+          <a:scrgbClr r="0" g="0" b="0"/>
+        </a:lnRef>
+        <a:fillRef idx="1">
+          <a:scrgbClr r="0" g="0" b="0"/>
+        </a:fillRef>
+        <a:effectRef idx="0">
+          <a:scrgbClr r="0" g="0" b="0"/>
+        </a:effectRef>
+        <a:fontRef idx="minor">
+          <a:schemeClr val="lt1"/>
+        </a:fontRef>
+      </dsp:style>
+      <dsp:txBody>
+        <a:bodyPr spcFirstLastPara="0" vert="horz" wrap="square" lIns="41910" tIns="41910" rIns="41910" bIns="41910" numCol="1" spcCol="1270" anchor="ctr" anchorCtr="0">
+          <a:noAutofit/>
+        </a:bodyPr>
+        <a:lstStyle/>
+        <a:p>
+          <a:pPr lvl="0" algn="l" defTabSz="488950">
+            <a:lnSpc>
+              <a:spcPct val="90000"/>
+            </a:lnSpc>
+            <a:spcBef>
+              <a:spcPct val="0"/>
+            </a:spcBef>
+            <a:spcAft>
+              <a:spcPct val="35000"/>
+            </a:spcAft>
+          </a:pPr>
+          <a:r>
+            <a:rPr lang="en-US" sz="1100" kern="1200" dirty="0" smtClean="0"/>
+            <a:t>fact(1)  : n=1</a:t>
+          </a:r>
+        </a:p>
+        <a:p>
+          <a:pPr lvl="0" algn="l" defTabSz="488950">
+            <a:lnSpc>
+              <a:spcPct val="90000"/>
+            </a:lnSpc>
+            <a:spcBef>
+              <a:spcPct val="0"/>
+            </a:spcBef>
+            <a:spcAft>
+              <a:spcPct val="35000"/>
+            </a:spcAft>
+          </a:pPr>
+          <a:r>
+            <a:rPr lang="en-US" sz="1100" kern="1200" dirty="0" smtClean="0"/>
+            <a:t>9 calls fact(0)</a:t>
+          </a:r>
+        </a:p>
+        <a:p>
+          <a:pPr lvl="0" algn="l" defTabSz="488950">
+            <a:lnSpc>
+              <a:spcPct val="90000"/>
+            </a:lnSpc>
+            <a:spcBef>
+              <a:spcPct val="0"/>
+            </a:spcBef>
+            <a:spcAft>
+              <a:spcPct val="35000"/>
+            </a:spcAft>
+          </a:pPr>
+          <a:r>
+            <a:rPr lang="en-US" sz="1100" kern="1200" dirty="0" smtClean="0"/>
+            <a:t>9 n*1</a:t>
+          </a:r>
+        </a:p>
+        <a:p>
+          <a:pPr lvl="0" algn="l" defTabSz="488950">
+            <a:lnSpc>
+              <a:spcPct val="90000"/>
+            </a:lnSpc>
+            <a:spcBef>
+              <a:spcPct val="0"/>
+            </a:spcBef>
+            <a:spcAft>
+              <a:spcPct val="35000"/>
+            </a:spcAft>
+          </a:pPr>
+          <a:r>
+            <a:rPr lang="en-US" sz="1100" kern="1200" dirty="0" smtClean="0"/>
+            <a:t>9 return 1</a:t>
+          </a:r>
+        </a:p>
+      </dsp:txBody>
+      <dsp:txXfrm>
+        <a:off x="5622878" y="5501258"/>
+        <a:ext cx="1253067" cy="849523"/>
+      </dsp:txXfrm>
+    </dsp:sp>
+  </dsp:spTree>
+</dsp:drawing>
+</file>
+
+<file path=ppt/diagrams/layout1.xml><?xml version="1.0" encoding="utf-8"?>
+<dgm:layoutDef xmlns:dgm="http://schemas.openxmlformats.org/drawingml/2006/diagram" xmlns:a="http://schemas.openxmlformats.org/drawingml/2006/main" uniqueId="urn:microsoft.com/office/officeart/2005/8/layout/StepDownProcess">
+  <dgm:title val=""/>
+  <dgm:desc val=""/>
+  <dgm:catLst>
+    <dgm:cat type="process" pri="1600"/>
+  </dgm:catLst>
+  <dgm:sampData>
+    <dgm:dataModel>
+      <dgm:ptLst>
+        <dgm:pt modelId="0" type="doc"/>
+        <dgm:pt modelId="10">
+          <dgm:prSet phldr="1"/>
+        </dgm:pt>
+        <dgm:pt modelId="11">
+          <dgm:prSet phldr="1"/>
+        </dgm:pt>
+        <dgm:pt modelId="20">
+          <dgm:prSet phldr="1"/>
+        </dgm:pt>
+        <dgm:pt modelId="21">
+          <dgm:prSet phldr="1"/>
+        </dgm:pt>
+        <dgm:pt modelId="30">
+          <dgm:prSet phldr="1"/>
+        </dgm:pt>
+        <dgm:pt modelId="31">
+          <dgm:prSet phldr="1"/>
+        </dgm:pt>
+      </dgm:ptLst>
+      <dgm:cxnLst>
+        <dgm:cxn modelId="60" srcId="0" destId="10" srcOrd="0" destOrd="0"/>
+        <dgm:cxn modelId="12" srcId="10" destId="11" srcOrd="0" destOrd="0"/>
+        <dgm:cxn modelId="70" srcId="0" destId="20" srcOrd="1" destOrd="0"/>
+        <dgm:cxn modelId="22" srcId="20" destId="21" srcOrd="0" destOrd="0"/>
+        <dgm:cxn modelId="80" srcId="0" destId="30" srcOrd="2" destOrd="0"/>
+        <dgm:cxn modelId="32" srcId="30" destId="31" srcOrd="0" destOrd="0"/>
+      </dgm:cxnLst>
+      <dgm:bg/>
+      <dgm:whole/>
+    </dgm:dataModel>
+  </dgm:sampData>
+  <dgm:styleData>
+    <dgm:dataModel>
+      <dgm:ptLst>
+        <dgm:pt modelId="0" type="doc"/>
+        <dgm:pt modelId="10">
+          <dgm:prSet phldr="1"/>
+        </dgm:pt>
+        <dgm:pt modelId="20">
+          <dgm:prSet phldr="1"/>
+        </dgm:pt>
+      </dgm:ptLst>
+      <dgm:cxnLst>
+        <dgm:cxn modelId="60" srcId="0" destId="10" srcOrd="0" destOrd="0"/>
+        <dgm:cxn modelId="70" srcId="0" destId="20" srcOrd="1" destOrd="0"/>
+      </dgm:cxnLst>
+      <dgm:bg/>
+      <dgm:whole/>
+    </dgm:dataModel>
+  </dgm:styleData>
+  <dgm:clrData>
+    <dgm:dataModel>
+      <dgm:ptLst>
+        <dgm:pt modelId="0" type="doc"/>
+        <dgm:pt modelId="10">
+          <dgm:prSet phldr="1"/>
+        </dgm:pt>
+        <dgm:pt modelId="20">
+          <dgm:prSet phldr="1"/>
+        </dgm:pt>
+        <dgm:pt modelId="30">
+          <dgm:prSet phldr="1"/>
+        </dgm:pt>
+        <dgm:pt modelId="40">
+          <dgm:prSet phldr="1"/>
+        </dgm:pt>
+      </dgm:ptLst>
+      <dgm:cxnLst>
+        <dgm:cxn modelId="60" srcId="0" destId="10" srcOrd="0" destOrd="0"/>
+        <dgm:cxn modelId="70" srcId="0" destId="20" srcOrd="1" destOrd="0"/>
+        <dgm:cxn modelId="80" srcId="0" destId="30" srcOrd="2" destOrd="0"/>
+        <dgm:cxn modelId="90" srcId="0" destId="40" srcOrd="3" destOrd="0"/>
+      </dgm:cxnLst>
+      <dgm:bg/>
+      <dgm:whole/>
+    </dgm:dataModel>
+  </dgm:clrData>
+  <dgm:layoutNode name="rootnode">
+    <dgm:varLst>
+      <dgm:chMax/>
+      <dgm:chPref/>
+      <dgm:dir/>
+      <dgm:animLvl val="lvl"/>
+    </dgm:varLst>
+    <dgm:choose name="Name0">
+      <dgm:if name="Name1" func="var" arg="dir" op="equ" val="norm">
+        <dgm:alg type="snake">
+          <dgm:param type="grDir" val="tL"/>
+          <dgm:param type="flowDir" val="row"/>
+          <dgm:param type="off" val="off"/>
+          <dgm:param type="bkpt" val="fixed"/>
+          <dgm:param type="bkPtFixedVal" val="1"/>
+        </dgm:alg>
+      </dgm:if>
+      <dgm:else name="Name2">
+        <dgm:alg type="snake">
+          <dgm:param type="grDir" val="tR"/>
+          <dgm:param type="flowDir" val="row"/>
+          <dgm:param type="off" val="off"/>
+          <dgm:param type="bkpt" val="fixed"/>
+          <dgm:param type="bkPtFixedVal" val="1"/>
+        </dgm:alg>
+      </dgm:else>
+    </dgm:choose>
+    <dgm:shape xmlns:r="http://schemas.openxmlformats.org/officeDocument/2006/relationships" r:blip="">
+      <dgm:adjLst/>
+    </dgm:shape>
+    <dgm:choose name="Name3">
+      <dgm:if name="Name4" func="var" arg="dir" op="equ" val="norm">
+        <dgm:constrLst>
+          <dgm:constr type="alignOff" forName="rootnode" val="0.48"/>
+          <dgm:constr type="primFontSz" for="des" forName="ParentText" val="65"/>
+          <dgm:constr type="primFontSz" for="des" forName="ChildText" refType="primFontSz" refFor="des" refForName="ParentText" op="lte"/>
+          <dgm:constr type="w" for="ch" forName="composite" refType="w"/>
+          <dgm:constr type="h" for="ch" forName="composite" refType="h"/>
+          <dgm:constr type="sp" refType="h" refFor="ch" refForName="composite" op="equ" fact="-0.38"/>
+        </dgm:constrLst>
+      </dgm:if>
+      <dgm:else name="Name5">
+        <dgm:constrLst>
+          <dgm:constr type="alignOff" forName="rootnode" val="0.48"/>
+          <dgm:constr type="primFontSz" for="des" forName="ParentText" val="65"/>
+          <dgm:constr type="primFontSz" for="des" forName="ChildText" refType="primFontSz" refFor="des" refForName="ParentText" op="lte"/>
+          <dgm:constr type="w" for="ch" forName="composite" refType="w"/>
+          <dgm:constr type="h" for="ch" forName="composite" refType="h"/>
+          <dgm:constr type="sp" refType="h" refFor="ch" refForName="composite" op="equ" fact="-0.38"/>
+        </dgm:constrLst>
+      </dgm:else>
+    </dgm:choose>
+    <dgm:forEach name="nodesForEach" axis="ch" ptType="node">
+      <dgm:layoutNode name="composite">
+        <dgm:alg type="composite">
+          <dgm:param type="ar" val="1.2439"/>
+        </dgm:alg>
+        <dgm:shape xmlns:r="http://schemas.openxmlformats.org/officeDocument/2006/relationships" r:blip="">
+          <dgm:adjLst/>
+        </dgm:shape>
+        <dgm:choose name="Name6">
+          <dgm:if name="Name7" func="var" arg="dir" op="equ" val="norm">
+            <dgm:constrLst>
+              <dgm:constr type="l" for="ch" forName="bentUpArrow1" refType="w" fact="0.07"/>
+              <dgm:constr type="t" for="ch" forName="bentUpArrow1" refType="h" fact="0.524"/>
+              <dgm:constr type="w" for="ch" forName="bentUpArrow1" refType="w" fact="0.3844"/>
+              <dgm:constr type="h" for="ch" forName="bentUpArrow1" refType="h" fact="0.42"/>
+              <dgm:constr type="l" for="ch" forName="ParentText" refType="w" fact="0"/>
+              <dgm:constr type="t" for="ch" forName="ParentText" refType="h" fact="0"/>
+              <dgm:constr type="w" for="ch" forName="ParentText" refType="w" fact="0.5684"/>
+              <dgm:constr type="h" for="ch" forName="ParentText" refType="h" fact="0.4949"/>
+              <dgm:constr type="l" for="ch" forName="ChildText" refType="w" refFor="ch" refForName="ParentText"/>
+              <dgm:constr type="t" for="ch" forName="ChildText" refType="h" fact="0.05"/>
+              <dgm:constr type="w" for="ch" forName="ChildText" refType="w" fact="0.4134"/>
+              <dgm:constr type="h" for="ch" forName="ChildText" refType="h" fact="0.4"/>
+              <dgm:constr type="l" for="ch" forName="FinalChildText" refType="w" refFor="ch" refForName="ParentText"/>
+              <dgm:constr type="t" for="ch" forName="FinalChildText" refType="h" fact="0.05"/>
+              <dgm:constr type="w" for="ch" forName="FinalChildText" refType="w" fact="0.4134"/>
+              <dgm:constr type="h" for="ch" forName="FinalChildText" refType="h" fact="0.4"/>
+            </dgm:constrLst>
+          </dgm:if>
+          <dgm:else name="Name8">
+            <dgm:constrLst>
+              <dgm:constr type="r" for="ch" forName="bentUpArrow1" refType="w" fact="0.97"/>
+              <dgm:constr type="t" for="ch" forName="bentUpArrow1" refType="h" fact="0.524"/>
+              <dgm:constr type="w" for="ch" forName="bentUpArrow1" refType="w" fact="0.3844"/>
+              <dgm:constr type="h" for="ch" forName="bentUpArrow1" refType="h" fact="0.42"/>
+              <dgm:constr type="l" for="ch" forName="ParentText" refType="w" fact="0.4316"/>
+              <dgm:constr type="t" for="ch" forName="ParentText" refType="h" fact="0"/>
+              <dgm:constr type="w" for="ch" forName="ParentText" refType="w" fact="0.5684"/>
+              <dgm:constr type="h" for="ch" forName="ParentText" refType="h" fact="0.4949"/>
+              <dgm:constr type="l" for="ch" forName="ChildText" refType="w" fact="0"/>
+              <dgm:constr type="t" for="ch" forName="ChildText" refType="h" fact="0.05"/>
+              <dgm:constr type="w" for="ch" forName="ChildText" refType="w" fact="0.4134"/>
+              <dgm:constr type="h" for="ch" forName="ChildText" refType="h" fact="0.4"/>
+              <dgm:constr type="l" for="ch" forName="FinalChildText" refType="w" fact="0"/>
+              <dgm:constr type="t" for="ch" forName="FinalChildText" refType="h" fact="0.05"/>
+              <dgm:constr type="w" for="ch" forName="FinalChildText" refType="w" fact="0.4134"/>
+              <dgm:constr type="h" for="ch" forName="FinalChildText" refType="h" fact="0.4"/>
+            </dgm:constrLst>
+          </dgm:else>
+        </dgm:choose>
+        <dgm:choose name="Name9">
+          <dgm:if name="Name10" axis="followSib" ptType="node" func="cnt" op="gte" val="1">
+            <dgm:layoutNode name="bentUpArrow1" styleLbl="alignImgPlace1">
+              <dgm:alg type="sp"/>
+              <dgm:choose name="Name11">
+                <dgm:if name="Name12" func="var" arg="dir" op="equ" val="norm">
+                  <dgm:shape xmlns:r="http://schemas.openxmlformats.org/officeDocument/2006/relationships" rot="90" type="bentUpArrow" r:blip="">
+                    <dgm:adjLst>
+                      <dgm:adj idx="1" val="0.3284"/>
+                      <dgm:adj idx="2" val="0.25"/>
+                      <dgm:adj idx="3" val="0.3578"/>
+                    </dgm:adjLst>
+                  </dgm:shape>
+                </dgm:if>
+                <dgm:else name="Name13">
+                  <dgm:shape xmlns:r="http://schemas.openxmlformats.org/officeDocument/2006/relationships" rot="180" type="bentArrow" r:blip="">
+                    <dgm:adjLst>
+                      <dgm:adj idx="1" val="0.3284"/>
+                      <dgm:adj idx="2" val="0.25"/>
+                      <dgm:adj idx="3" val="0.3578"/>
+                      <dgm:adj idx="4" val="0"/>
+                    </dgm:adjLst>
+                  </dgm:shape>
+                </dgm:else>
+              </dgm:choose>
+              <dgm:presOf/>
+            </dgm:layoutNode>
+          </dgm:if>
+          <dgm:else name="Name14"/>
+        </dgm:choose>
+        <dgm:layoutNode name="ParentText" styleLbl="node1">
+          <dgm:varLst>
+            <dgm:chMax val="1"/>
+            <dgm:chPref val="1"/>
+            <dgm:bulletEnabled val="1"/>
+          </dgm:varLst>
+          <dgm:alg type="tx"/>
+          <dgm:shape xmlns:r="http://schemas.openxmlformats.org/officeDocument/2006/relationships" type="roundRect" r:blip="">
+            <dgm:adjLst>
+              <dgm:adj idx="1" val="0.1667"/>
+            </dgm:adjLst>
+          </dgm:shape>
+          <dgm:presOf axis="self" ptType="node"/>
+          <dgm:constrLst>
+            <dgm:constr type="lMarg" refType="primFontSz" fact="0.3"/>
+            <dgm:constr type="rMarg" refType="primFontSz" fact="0.3"/>
+            <dgm:constr type="tMarg" refType="primFontSz" fact="0.3"/>
+            <dgm:constr type="bMarg" refType="primFontSz" fact="0.3"/>
+          </dgm:constrLst>
+          <dgm:ruleLst>
+            <dgm:rule type="primFontSz" val="5" fact="NaN" max="NaN"/>
+          </dgm:ruleLst>
+        </dgm:layoutNode>
+        <dgm:choose name="Name15">
+          <dgm:if name="Name16" axis="followSib" ptType="node" func="cnt" op="equ" val="0">
+            <dgm:choose name="Name17">
+              <dgm:if name="Name18" axis="ch" ptType="node" func="cnt" op="gte" val="1">
+                <dgm:layoutNode name="FinalChildText" styleLbl="revTx">
+                  <dgm:varLst>
+                    <dgm:chMax val="0"/>
+                    <dgm:chPref val="0"/>
+                    <dgm:bulletEnabled val="1"/>
+                  </dgm:varLst>
+                  <dgm:alg type="tx">
+                    <dgm:param type="stBulletLvl" val="1"/>
+                    <dgm:param type="txAnchorVertCh" val="mid"/>
+                    <dgm:param type="parTxLTRAlign" val="l"/>
+                  </dgm:alg>
+                  <dgm:shape xmlns:r="http://schemas.openxmlformats.org/officeDocument/2006/relationships" type="rect" r:blip="">
+                    <dgm:adjLst/>
+                  </dgm:shape>
+                  <dgm:presOf axis="des" ptType="node"/>
+                  <dgm:constrLst>
+                    <dgm:constr type="lMarg" refType="primFontSz" fact="0.3"/>
+                    <dgm:constr type="rMarg" refType="primFontSz" fact="0.3"/>
+                    <dgm:constr type="tMarg" refType="primFontSz" fact="0.3"/>
+                    <dgm:constr type="bMarg" refType="primFontSz" fact="0.3"/>
+                  </dgm:constrLst>
+                  <dgm:ruleLst>
+                    <dgm:rule type="primFontSz" val="5" fact="NaN" max="NaN"/>
+                  </dgm:ruleLst>
+                </dgm:layoutNode>
+              </dgm:if>
+              <dgm:else name="Name19"/>
+            </dgm:choose>
+          </dgm:if>
+          <dgm:else name="Name20">
+            <dgm:layoutNode name="ChildText" styleLbl="revTx">
+              <dgm:varLst>
+                <dgm:chMax val="0"/>
+                <dgm:chPref val="0"/>
+                <dgm:bulletEnabled val="1"/>
+              </dgm:varLst>
+              <dgm:alg type="tx">
+                <dgm:param type="stBulletLvl" val="1"/>
+                <dgm:param type="txAnchorVertCh" val="mid"/>
+                <dgm:param type="parTxLTRAlign" val="l"/>
+              </dgm:alg>
+              <dgm:shape xmlns:r="http://schemas.openxmlformats.org/officeDocument/2006/relationships" type="rect" r:blip="">
+                <dgm:adjLst/>
+              </dgm:shape>
+              <dgm:presOf axis="des" ptType="node"/>
+              <dgm:constrLst>
+                <dgm:constr type="lMarg" refType="primFontSz" fact="0.3"/>
+                <dgm:constr type="rMarg" refType="primFontSz" fact="0.3"/>
+                <dgm:constr type="tMarg" refType="primFontSz" fact="0.3"/>
+                <dgm:constr type="bMarg" refType="primFontSz" fact="0.3"/>
+              </dgm:constrLst>
+              <dgm:ruleLst>
+                <dgm:rule type="primFontSz" val="5" fact="NaN" max="NaN"/>
+              </dgm:ruleLst>
+            </dgm:layoutNode>
+          </dgm:else>
+        </dgm:choose>
+      </dgm:layoutNode>
+      <dgm:forEach name="sibTransForEach" axis="followSib" ptType="sibTrans" cnt="1">
+        <dgm:layoutNode name="sibTrans">
+          <dgm:alg type="sp"/>
+          <dgm:shape xmlns:r="http://schemas.openxmlformats.org/officeDocument/2006/relationships" r:blip="">
+            <dgm:adjLst/>
+          </dgm:shape>
+        </dgm:layoutNode>
+      </dgm:forEach>
+    </dgm:forEach>
+  </dgm:layoutNode>
+</dgm:layoutDef>
+</file>
+
+<file path=ppt/diagrams/quickStyle1.xml><?xml version="1.0" encoding="utf-8"?>
+<dgm:styleDef xmlns:dgm="http://schemas.openxmlformats.org/drawingml/2006/diagram" xmlns:a="http://schemas.openxmlformats.org/drawingml/2006/main" uniqueId="urn:microsoft.com/office/officeart/2005/8/quickstyle/simple1">
+  <dgm:title val=""/>
+  <dgm:desc val=""/>
+  <dgm:catLst>
+    <dgm:cat type="simple" pri="10100"/>
+  </dgm:catLst>
+  <dgm:scene3d>
+    <a:camera prst="orthographicFront"/>
+    <a:lightRig rig="threePt" dir="t"/>
+  </dgm:scene3d>
+  <dgm:styleLbl name="node0">
+    <dgm:scene3d>
+      <a:camera prst="orthographicFront"/>
+      <a:lightRig rig="threePt" dir="t"/>
+    </dgm:scene3d>
+    <dgm:sp3d/>
+    <dgm:txPr/>
+    <dgm:style>
+      <a:lnRef idx="2">
+        <a:scrgbClr r="0" g="0" b="0"/>
+      </a:lnRef>
+      <a:fillRef idx="1">
+        <a:scrgbClr r="0" g="0" b="0"/>
+      </a:fillRef>
+      <a:effectRef idx="0">
+        <a:scrgbClr r="0" g="0" b="0"/>
+      </a:effectRef>
+      <a:fontRef idx="minor">
+        <a:schemeClr val="lt1"/>
+      </a:fontRef>
+    </dgm:style>
+  </dgm:styleLbl>
+  <dgm:styleLbl name="lnNode1">
+    <dgm:scene3d>
+      <a:camera prst="orthographicFront"/>
+      <a:lightRig rig="threePt" dir="t"/>
+    </dgm:scene3d>
+    <dgm:sp3d/>
+    <dgm:txPr/>
+    <dgm:style>
+      <a:lnRef idx="2">
+        <a:scrgbClr r="0" g="0" b="0"/>
+      </a:lnRef>
+      <a:fillRef idx="1">
+        <a:scrgbClr r="0" g="0" b="0"/>
+      </a:fillRef>
+      <a:effectRef idx="0">
+        <a:scrgbClr r="0" g="0" b="0"/>
+      </a:effectRef>
+      <a:fontRef idx="minor">
+        <a:schemeClr val="lt1"/>
+      </a:fontRef>
+    </dgm:style>
+  </dgm:styleLbl>
+  <dgm:styleLbl name="vennNode1">
+    <dgm:scene3d>
+      <a:camera prst="orthographicFront"/>
+      <a:lightRig rig="threePt" dir="t"/>
+    </dgm:scene3d>
+    <dgm:sp3d/>
+    <dgm:txPr/>
+    <dgm:style>
+      <a:lnRef idx="2">
+        <a:scrgbClr r="0" g="0" b="0"/>
+      </a:lnRef>
+      <a:fillRef idx="1">
+        <a:scrgbClr r="0" g="0" b="0"/>
+      </a:fillRef>
+      <a:effectRef idx="0">
+        <a:scrgbClr r="0" g="0" b="0"/>
+      </a:effectRef>
+      <a:fontRef idx="minor">
+        <a:schemeClr val="tx1"/>
+      </a:fontRef>
+    </dgm:style>
+  </dgm:styleLbl>
+  <dgm:styleLbl name="alignNode1">
+    <dgm:scene3d>
+      <a:camera prst="orthographicFront"/>
+      <a:lightRig rig="threePt" dir="t"/>
+    </dgm:scene3d>
+    <dgm:sp3d/>
+    <dgm:txPr/>
+    <dgm:style>
+      <a:lnRef idx="2">
+        <a:scrgbClr r="0" g="0" b="0"/>
+      </a:lnRef>
+      <a:fillRef idx="1">
+        <a:scrgbClr r="0" g="0" b="0"/>
+      </a:fillRef>
+      <a:effectRef idx="0">
+        <a:scrgbClr r="0" g="0" b="0"/>
+      </a:effectRef>
+      <a:fontRef idx="minor">
+        <a:schemeClr val="lt1"/>
+      </a:fontRef>
+    </dgm:style>
+  </dgm:styleLbl>
+  <dgm:styleLbl name="node1">
+    <dgm:scene3d>
+      <a:camera prst="orthographicFront"/>
+      <a:lightRig rig="threePt" dir="t"/>
+    </dgm:scene3d>
+    <dgm:sp3d/>
+    <dgm:txPr/>
+    <dgm:style>
+      <a:lnRef idx="2">
+        <a:scrgbClr r="0" g="0" b="0"/>
+      </a:lnRef>
+      <a:fillRef idx="1">
+        <a:scrgbClr r="0" g="0" b="0"/>
+      </a:fillRef>
+      <a:effectRef idx="0">
+        <a:scrgbClr r="0" g="0" b="0"/>
+      </a:effectRef>
+      <a:fontRef idx="minor">
+        <a:schemeClr val="lt1"/>
+      </a:fontRef>
+    </dgm:style>
+  </dgm:styleLbl>
+  <dgm:styleLbl name="node2">
+    <dgm:scene3d>
+      <a:camera prst="orthographicFront"/>
+      <a:lightRig rig="threePt" dir="t"/>
+    </dgm:scene3d>
+    <dgm:sp3d/>
+    <dgm:txPr/>
+    <dgm:style>
+      <a:lnRef idx="2">
+        <a:scrgbClr r="0" g="0" b="0"/>
+      </a:lnRef>
+      <a:fillRef idx="1">
+        <a:scrgbClr r="0" g="0" b="0"/>
+      </a:fillRef>
+      <a:effectRef idx="0">
+        <a:scrgbClr r="0" g="0" b="0"/>
+      </a:effectRef>
+      <a:fontRef idx="minor">
+        <a:schemeClr val="lt1"/>
+      </a:fontRef>
+    </dgm:style>
+  </dgm:styleLbl>
+  <dgm:styleLbl name="node3">
+    <dgm:scene3d>
+      <a:camera prst="orthographicFront"/>
+      <a:lightRig rig="threePt" dir="t"/>
+    </dgm:scene3d>
+    <dgm:sp3d/>
+    <dgm:txPr/>
+    <dgm:style>
+      <a:lnRef idx="2">
+        <a:scrgbClr r="0" g="0" b="0"/>
+      </a:lnRef>
+      <a:fillRef idx="1">
+        <a:scrgbClr r="0" g="0" b="0"/>
+      </a:fillRef>
+      <a:effectRef idx="0">
+        <a:scrgbClr r="0" g="0" b="0"/>
+      </a:effectRef>
+      <a:fontRef idx="minor">
+        <a:schemeClr val="lt1"/>
+      </a:fontRef>
+    </dgm:style>
+  </dgm:styleLbl>
+  <dgm:styleLbl name="node4">
+    <dgm:scene3d>
+      <a:camera prst="orthographicFront"/>
+      <a:lightRig rig="threePt" dir="t"/>
+    </dgm:scene3d>
+    <dgm:sp3d/>
+    <dgm:txPr/>
+    <dgm:style>
+      <a:lnRef idx="2">
+        <a:scrgbClr r="0" g="0" b="0"/>
+      </a:lnRef>
+      <a:fillRef idx="1">
+        <a:scrgbClr r="0" g="0" b="0"/>
+      </a:fillRef>
+      <a:effectRef idx="0">
+        <a:scrgbClr r="0" g="0" b="0"/>
+      </a:effectRef>
+      <a:fontRef idx="minor">
+        <a:schemeClr val="lt1"/>
+      </a:fontRef>
+    </dgm:style>
+  </dgm:styleLbl>
+  <dgm:styleLbl name="fgImgPlace1">
+    <dgm:scene3d>
+      <a:camera prst="orthographicFront"/>
+      <a:lightRig rig="threePt" dir="t"/>
+    </dgm:scene3d>
+    <dgm:sp3d/>
+    <dgm:txPr/>
+    <dgm:style>
+      <a:lnRef idx="2">
+        <a:scrgbClr r="0" g="0" b="0"/>
+      </a:lnRef>
+      <a:fillRef idx="1">
+        <a:scrgbClr r="0" g="0" b="0"/>
+      </a:fillRef>
+      <a:effectRef idx="0">
+        <a:scrgbClr r="0" g="0" b="0"/>
+      </a:effectRef>
+      <a:fontRef idx="minor"/>
+    </dgm:style>
+  </dgm:styleLbl>
+  <dgm:styleLbl name="alignImgPlace1">
+    <dgm:scene3d>
+      <a:camera prst="orthographicFront"/>
+      <a:lightRig rig="threePt" dir="t"/>
+    </dgm:scene3d>
+    <dgm:sp3d/>
+    <dgm:txPr/>
+    <dgm:style>
+      <a:lnRef idx="2">
+        <a:scrgbClr r="0" g="0" b="0"/>
+      </a:lnRef>
+      <a:fillRef idx="1">
+        <a:scrgbClr r="0" g="0" b="0"/>
+      </a:fillRef>
+      <a:effectRef idx="0">
+        <a:scrgbClr r="0" g="0" b="0"/>
+      </a:effectRef>
+      <a:fontRef idx="minor"/>
+    </dgm:style>
+  </dgm:styleLbl>
+  <dgm:styleLbl name="bgImgPlace1">
+    <dgm:scene3d>
+      <a:camera prst="orthographicFront"/>
+      <a:lightRig rig="threePt" dir="t"/>
+    </dgm:scene3d>
+    <dgm:sp3d/>
+    <dgm:txPr/>
+    <dgm:style>
+      <a:lnRef idx="2">
+        <a:scrgbClr r="0" g="0" b="0"/>
+      </a:lnRef>
+      <a:fillRef idx="1">
+        <a:scrgbClr r="0" g="0" b="0"/>
+      </a:fillRef>
+      <a:effectRef idx="0">
+        <a:scrgbClr r="0" g="0" b="0"/>
+      </a:effectRef>
+      <a:fontRef idx="minor"/>
+    </dgm:style>
+  </dgm:styleLbl>
+  <dgm:styleLbl name="sibTrans2D1">
+    <dgm:scene3d>
+      <a:camera prst="orthographicFront"/>
+      <a:lightRig rig="threePt" dir="t"/>
+    </dgm:scene3d>
+    <dgm:sp3d/>
+    <dgm:txPr/>
+    <dgm:style>
+      <a:lnRef idx="0">
+        <a:scrgbClr r="0" g="0" b="0"/>
+      </a:lnRef>
+      <a:fillRef idx="1">
+        <a:scrgbClr r="0" g="0" b="0"/>
+      </a:fillRef>
+      <a:effectRef idx="0">
+        <a:scrgbClr r="0" g="0" b="0"/>
+      </a:effectRef>
+      <a:fontRef idx="minor">
+        <a:schemeClr val="lt1"/>
+      </a:fontRef>
+    </dgm:style>
+  </dgm:styleLbl>
+  <dgm:styleLbl name="fgSibTrans2D1">
+    <dgm:scene3d>
+      <a:camera prst="orthographicFront"/>
+      <a:lightRig rig="threePt" dir="t"/>
+    </dgm:scene3d>
+    <dgm:sp3d/>
+    <dgm:txPr/>
+    <dgm:style>
+      <a:lnRef idx="0">
+        <a:scrgbClr r="0" g="0" b="0"/>
+      </a:lnRef>
+      <a:fillRef idx="1">
+        <a:scrgbClr r="0" g="0" b="0"/>
+      </a:fillRef>
+      <a:effectRef idx="0">
+        <a:scrgbClr r="0" g="0" b="0"/>
+      </a:effectRef>
+      <a:fontRef idx="minor">
+        <a:schemeClr val="lt1"/>
+      </a:fontRef>
+    </dgm:style>
+  </dgm:styleLbl>
+  <dgm:styleLbl name="bgSibTrans2D1">
+    <dgm:scene3d>
+      <a:camera prst="orthographicFront"/>
+      <a:lightRig rig="threePt" dir="t"/>
+    </dgm:scene3d>
+    <dgm:sp3d/>
+    <dgm:txPr/>
+    <dgm:style>
+      <a:lnRef idx="0">
+        <a:scrgbClr r="0" g="0" b="0"/>
+      </a:lnRef>
+      <a:fillRef idx="1">
+        <a:scrgbClr r="0" g="0" b="0"/>
+      </a:fillRef>
+      <a:effectRef idx="0">
+        <a:scrgbClr r="0" g="0" b="0"/>
+      </a:effectRef>
+      <a:fontRef idx="minor">
+        <a:schemeClr val="lt1"/>
+      </a:fontRef>
+    </dgm:style>
+  </dgm:styleLbl>
+  <dgm:styleLbl name="sibTrans1D1">
+    <dgm:scene3d>
+      <a:camera prst="orthographicFront"/>
+      <a:lightRig rig="threePt" dir="t"/>
+    </dgm:scene3d>
+    <dgm:sp3d/>
+    <dgm:txPr/>
+    <dgm:style>
+      <a:lnRef idx="1">
+        <a:scrgbClr r="0" g="0" b="0"/>
+      </a:lnRef>
+      <a:fillRef idx="0">
+        <a:scrgbClr r="0" g="0" b="0"/>
+      </a:fillRef>
+      <a:effectRef idx="0">
+        <a:scrgbClr r="0" g="0" b="0"/>
+      </a:effectRef>
+      <a:fontRef idx="minor"/>
+    </dgm:style>
+  </dgm:styleLbl>
+  <dgm:styleLbl name="callout">
+    <dgm:scene3d>
+      <a:camera prst="orthographicFront"/>
+      <a:lightRig rig="threePt" dir="t"/>
+    </dgm:scene3d>
+    <dgm:sp3d/>
+    <dgm:txPr/>
+    <dgm:style>
+      <a:lnRef idx="2">
+        <a:scrgbClr r="0" g="0" b="0"/>
+      </a:lnRef>
+      <a:fillRef idx="1">
+        <a:scrgbClr r="0" g="0" b="0"/>
+      </a:fillRef>
+      <a:effectRef idx="0">
+        <a:scrgbClr r="0" g="0" b="0"/>
+      </a:effectRef>
+      <a:fontRef idx="minor"/>
+    </dgm:style>
+  </dgm:styleLbl>
+  <dgm:styleLbl name="asst0">
+    <dgm:scene3d>
+      <a:camera prst="orthographicFront"/>
+      <a:lightRig rig="threePt" dir="t"/>
+    </dgm:scene3d>
+    <dgm:sp3d/>
+    <dgm:txPr/>
+    <dgm:style>
+      <a:lnRef idx="2">
+        <a:scrgbClr r="0" g="0" b="0"/>
+      </a:lnRef>
+      <a:fillRef idx="1">
+        <a:scrgbClr r="0" g="0" b="0"/>
+      </a:fillRef>
+      <a:effectRef idx="0">
+        <a:scrgbClr r="0" g="0" b="0"/>
+      </a:effectRef>
+      <a:fontRef idx="minor">
+        <a:schemeClr val="lt1"/>
+      </a:fontRef>
+    </dgm:style>
+  </dgm:styleLbl>
+  <dgm:styleLbl name="asst1">
+    <dgm:scene3d>
+      <a:camera prst="orthographicFront"/>
+      <a:lightRig rig="threePt" dir="t"/>
+    </dgm:scene3d>
+    <dgm:sp3d/>
+    <dgm:txPr/>
+    <dgm:style>
+      <a:lnRef idx="2">
+        <a:scrgbClr r="0" g="0" b="0"/>
+      </a:lnRef>
+      <a:fillRef idx="1">
+        <a:scrgbClr r="0" g="0" b="0"/>
+      </a:fillRef>
+      <a:effectRef idx="0">
+        <a:scrgbClr r="0" g="0" b="0"/>
+      </a:effectRef>
+      <a:fontRef idx="minor">
+        <a:schemeClr val="lt1"/>
+      </a:fontRef>
+    </dgm:style>
+  </dgm:styleLbl>
+  <dgm:styleLbl name="asst2">
+    <dgm:scene3d>
+      <a:camera prst="orthographicFront"/>
+      <a:lightRig rig="threePt" dir="t"/>
+    </dgm:scene3d>
+    <dgm:sp3d/>
+    <dgm:txPr/>
+    <dgm:style>
+      <a:lnRef idx="2">
+        <a:scrgbClr r="0" g="0" b="0"/>
+      </a:lnRef>
+      <a:fillRef idx="1">
+        <a:scrgbClr r="0" g="0" b="0"/>
+      </a:fillRef>
+      <a:effectRef idx="0">
+        <a:scrgbClr r="0" g="0" b="0"/>
+      </a:effectRef>
+      <a:fontRef idx="minor">
+        <a:schemeClr val="lt1"/>
+      </a:fontRef>
+    </dgm:style>
+  </dgm:styleLbl>
+  <dgm:styleLbl name="asst3">
+    <dgm:scene3d>
+      <a:camera prst="orthographicFront"/>
+      <a:lightRig rig="threePt" dir="t"/>
+    </dgm:scene3d>
+    <dgm:sp3d/>
+    <dgm:txPr/>
+    <dgm:style>
+      <a:lnRef idx="2">
+        <a:scrgbClr r="0" g="0" b="0"/>
+      </a:lnRef>
+      <a:fillRef idx="1">
+        <a:scrgbClr r="0" g="0" b="0"/>
+      </a:fillRef>
+      <a:effectRef idx="0">
+        <a:scrgbClr r="0" g="0" b="0"/>
+      </a:effectRef>
+      <a:fontRef idx="minor">
+        <a:schemeClr val="lt1"/>
+      </a:fontRef>
+    </dgm:style>
+  </dgm:styleLbl>
+  <dgm:styleLbl name="asst4">
+    <dgm:scene3d>
+      <a:camera prst="orthographicFront"/>
+      <a:lightRig rig="threePt" dir="t"/>
+    </dgm:scene3d>
+    <dgm:sp3d/>
+    <dgm:txPr/>
+    <dgm:style>
+      <a:lnRef idx="2">
+        <a:scrgbClr r="0" g="0" b="0"/>
+      </a:lnRef>
+      <a:fillRef idx="1">
+        <a:scrgbClr r="0" g="0" b="0"/>
+      </a:fillRef>
+      <a:effectRef idx="0">
+        <a:scrgbClr r="0" g="0" b="0"/>
+      </a:effectRef>
+      <a:fontRef idx="minor">
+        <a:schemeClr val="lt1"/>
+      </a:fontRef>
+    </dgm:style>
+  </dgm:styleLbl>
+  <dgm:styleLbl name="parChTrans2D1">
+    <dgm:scene3d>
+      <a:camera prst="orthographicFront"/>
+      <a:lightRig rig="threePt" dir="t"/>
+    </dgm:scene3d>
+    <dgm:sp3d/>
+    <dgm:txPr/>
+    <dgm:style>
+      <a:lnRef idx="2">
+        <a:scrgbClr r="0" g="0" b="0"/>
+      </a:lnRef>
+      <a:fillRef idx="1">
+        <a:scrgbClr r="0" g="0" b="0"/>
+      </a:fillRef>
+      <a:effectRef idx="0">
+        <a:scrgbClr r="0" g="0" b="0"/>
+      </a:effectRef>
+      <a:fontRef idx="minor">
+        <a:schemeClr val="lt1"/>
+      </a:fontRef>
+    </dgm:style>
+  </dgm:styleLbl>
+  <dgm:styleLbl name="parChTrans2D2">
+    <dgm:scene3d>
+      <a:camera prst="orthographicFront"/>
+      <a:lightRig rig="threePt" dir="t"/>
+    </dgm:scene3d>
+    <dgm:sp3d/>
+    <dgm:txPr/>
+    <dgm:style>
+      <a:lnRef idx="2">
+        <a:scrgbClr r="0" g="0" b="0"/>
+      </a:lnRef>
+      <a:fillRef idx="1">
+        <a:scrgbClr r="0" g="0" b="0"/>
+      </a:fillRef>
+      <a:effectRef idx="0">
+        <a:scrgbClr r="0" g="0" b="0"/>
+      </a:effectRef>
+      <a:fontRef idx="minor">
+        <a:schemeClr val="lt1"/>
+      </a:fontRef>
+    </dgm:style>
+  </dgm:styleLbl>
+  <dgm:styleLbl name="parChTrans2D3">
+    <dgm:scene3d>
+      <a:camera prst="orthographicFront"/>
+      <a:lightRig rig="threePt" dir="t"/>
+    </dgm:scene3d>
+    <dgm:sp3d/>
+    <dgm:txPr/>
+    <dgm:style>
+      <a:lnRef idx="2">
+        <a:scrgbClr r="0" g="0" b="0"/>
+      </a:lnRef>
+      <a:fillRef idx="1">
+        <a:scrgbClr r="0" g="0" b="0"/>
+      </a:fillRef>
+      <a:effectRef idx="0">
+        <a:scrgbClr r="0" g="0" b="0"/>
+      </a:effectRef>
+      <a:fontRef idx="minor">
+        <a:schemeClr val="lt1"/>
+      </a:fontRef>
+    </dgm:style>
+  </dgm:styleLbl>
+  <dgm:styleLbl name="parChTrans2D4">
+    <dgm:scene3d>
+      <a:camera prst="orthographicFront"/>
+      <a:lightRig rig="threePt" dir="t"/>
+    </dgm:scene3d>
+    <dgm:sp3d/>
+    <dgm:txPr/>
+    <dgm:style>
+      <a:lnRef idx="2">
+        <a:scrgbClr r="0" g="0" b="0"/>
+      </a:lnRef>
+      <a:fillRef idx="1">
+        <a:scrgbClr r="0" g="0" b="0"/>
+      </a:fillRef>
+      <a:effectRef idx="0">
+        <a:scrgbClr r="0" g="0" b="0"/>
+      </a:effectRef>
+      <a:fontRef idx="minor">
+        <a:schemeClr val="lt1"/>
+      </a:fontRef>
+    </dgm:style>
+  </dgm:styleLbl>
+  <dgm:styleLbl name="parChTrans1D1">
+    <dgm:scene3d>
+      <a:camera prst="orthographicFront"/>
+      <a:lightRig rig="threePt" dir="t"/>
+    </dgm:scene3d>
+    <dgm:sp3d/>
+    <dgm:txPr/>
+    <dgm:style>
+      <a:lnRef idx="2">
+        <a:scrgbClr r="0" g="0" b="0"/>
+      </a:lnRef>
+      <a:fillRef idx="0">
+        <a:scrgbClr r="0" g="0" b="0"/>
+      </a:fillRef>
+      <a:effectRef idx="0">
+        <a:scrgbClr r="0" g="0" b="0"/>
+      </a:effectRef>
+      <a:fontRef idx="minor"/>
+    </dgm:style>
+  </dgm:styleLbl>
+  <dgm:styleLbl name="parChTrans1D2">
+    <dgm:scene3d>
+      <a:camera prst="orthographicFront"/>
+      <a:lightRig rig="threePt" dir="t"/>
+    </dgm:scene3d>
+    <dgm:sp3d/>
+    <dgm:txPr/>
+    <dgm:style>
+      <a:lnRef idx="2">
+        <a:scrgbClr r="0" g="0" b="0"/>
+      </a:lnRef>
+      <a:fillRef idx="0">
+        <a:scrgbClr r="0" g="0" b="0"/>
+      </a:fillRef>
+      <a:effectRef idx="0">
+        <a:scrgbClr r="0" g="0" b="0"/>
+      </a:effectRef>
+      <a:fontRef idx="minor"/>
+    </dgm:style>
+  </dgm:styleLbl>
+  <dgm:styleLbl name="parChTrans1D3">
+    <dgm:scene3d>
+      <a:camera prst="orthographicFront"/>
+      <a:lightRig rig="threePt" dir="t"/>
+    </dgm:scene3d>
+    <dgm:sp3d/>
+    <dgm:txPr/>
+    <dgm:style>
+      <a:lnRef idx="2">
+        <a:scrgbClr r="0" g="0" b="0"/>
+      </a:lnRef>
+      <a:fillRef idx="0">
+        <a:scrgbClr r="0" g="0" b="0"/>
+      </a:fillRef>
+      <a:effectRef idx="0">
+        <a:scrgbClr r="0" g="0" b="0"/>
+      </a:effectRef>
+      <a:fontRef idx="minor"/>
+    </dgm:style>
+  </dgm:styleLbl>
+  <dgm:styleLbl name="parChTrans1D4">
+    <dgm:scene3d>
+      <a:camera prst="orthographicFront"/>
+      <a:lightRig rig="threePt" dir="t"/>
+    </dgm:scene3d>
+    <dgm:sp3d/>
+    <dgm:txPr/>
+    <dgm:style>
+      <a:lnRef idx="2">
+        <a:scrgbClr r="0" g="0" b="0"/>
+      </a:lnRef>
+      <a:fillRef idx="0">
+        <a:scrgbClr r="0" g="0" b="0"/>
+      </a:fillRef>
+      <a:effectRef idx="0">
+        <a:scrgbClr r="0" g="0" b="0"/>
+      </a:effectRef>
+      <a:fontRef idx="minor"/>
+    </dgm:style>
+  </dgm:styleLbl>
+  <dgm:styleLbl name="fgAcc1">
+    <dgm:scene3d>
+      <a:camera prst="orthographicFront"/>
+      <a:lightRig rig="threePt" dir="t"/>
+    </dgm:scene3d>
+    <dgm:sp3d/>
+    <dgm:txPr/>
+    <dgm:style>
+      <a:lnRef idx="2">
+        <a:scrgbClr r="0" g="0" b="0"/>
+      </a:lnRef>
+      <a:fillRef idx="1">
+        <a:scrgbClr r="0" g="0" b="0"/>
+      </a:fillRef>
+      <a:effectRef idx="0">
+        <a:scrgbClr r="0" g="0" b="0"/>
+      </a:effectRef>
+      <a:fontRef idx="minor"/>
+    </dgm:style>
+  </dgm:styleLbl>
+  <dgm:styleLbl name="conFgAcc1">
+    <dgm:scene3d>
+      <a:camera prst="orthographicFront"/>
+      <a:lightRig rig="threePt" dir="t"/>
+    </dgm:scene3d>
+    <dgm:sp3d/>
+    <dgm:txPr/>
+    <dgm:style>
+      <a:lnRef idx="2">
+        <a:scrgbClr r="0" g="0" b="0"/>
+      </a:lnRef>
+      <a:fillRef idx="1">
+        <a:scrgbClr r="0" g="0" b="0"/>
+      </a:fillRef>
+      <a:effectRef idx="0">
+        <a:scrgbClr r="0" g="0" b="0"/>
+      </a:effectRef>
+      <a:fontRef idx="minor"/>
+    </dgm:style>
+  </dgm:styleLbl>
+  <dgm:styleLbl name="alignAcc1">
+    <dgm:scene3d>
+      <a:camera prst="orthographicFront"/>
+      <a:lightRig rig="threePt" dir="t"/>
+    </dgm:scene3d>
+    <dgm:sp3d/>
+    <dgm:txPr/>
+    <dgm:style>
+      <a:lnRef idx="2">
+        <a:scrgbClr r="0" g="0" b="0"/>
+      </a:lnRef>
+      <a:fillRef idx="1">
+        <a:scrgbClr r="0" g="0" b="0"/>
+      </a:fillRef>
+      <a:effectRef idx="0">
+        <a:scrgbClr r="0" g="0" b="0"/>
+      </a:effectRef>
+      <a:fontRef idx="minor"/>
+    </dgm:style>
+  </dgm:styleLbl>
+  <dgm:styleLbl name="trAlignAcc1">
+    <dgm:scene3d>
+      <a:camera prst="orthographicFront"/>
+      <a:lightRig rig="threePt" dir="t"/>
+    </dgm:scene3d>
+    <dgm:sp3d/>
+    <dgm:txPr/>
+    <dgm:style>
+      <a:lnRef idx="1">
+        <a:scrgbClr r="0" g="0" b="0"/>
+      </a:lnRef>
+      <a:fillRef idx="1">
+        <a:scrgbClr r="0" g="0" b="0"/>
+      </a:fillRef>
+      <a:effectRef idx="0">
+        <a:scrgbClr r="0" g="0" b="0"/>
+      </a:effectRef>
+      <a:fontRef idx="minor"/>
+    </dgm:style>
+  </dgm:styleLbl>
+  <dgm:styleLbl name="bgAcc1">
+    <dgm:scene3d>
+      <a:camera prst="orthographicFront"/>
+      <a:lightRig rig="threePt" dir="t"/>
+    </dgm:scene3d>
+    <dgm:sp3d/>
+    <dgm:txPr/>
+    <dgm:style>
+      <a:lnRef idx="2">
+        <a:scrgbClr r="0" g="0" b="0"/>
+      </a:lnRef>
+      <a:fillRef idx="1">
+        <a:scrgbClr r="0" g="0" b="0"/>
+      </a:fillRef>
+      <a:effectRef idx="0">
+        <a:scrgbClr r="0" g="0" b="0"/>
+      </a:effectRef>
+      <a:fontRef idx="minor"/>
+    </dgm:style>
+  </dgm:styleLbl>
+  <dgm:styleLbl name="solidFgAcc1">
+    <dgm:scene3d>
+      <a:camera prst="orthographicFront"/>
+      <a:lightRig rig="threePt" dir="t"/>
+    </dgm:scene3d>
+    <dgm:sp3d/>
+    <dgm:txPr/>
+    <dgm:style>
+      <a:lnRef idx="2">
+        <a:scrgbClr r="0" g="0" b="0"/>
+      </a:lnRef>
+      <a:fillRef idx="1">
+        <a:scrgbClr r="0" g="0" b="0"/>
+      </a:fillRef>
+      <a:effectRef idx="0">
+        <a:scrgbClr r="0" g="0" b="0"/>
+      </a:effectRef>
+      <a:fontRef idx="minor"/>
+    </dgm:style>
+  </dgm:styleLbl>
+  <dgm:styleLbl name="solidAlignAcc1">
+    <dgm:scene3d>
+      <a:camera prst="orthographicFront"/>
+      <a:lightRig rig="threePt" dir="t"/>
+    </dgm:scene3d>
+    <dgm:sp3d/>
+    <dgm:txPr/>
+    <dgm:style>
+      <a:lnRef idx="2">
+        <a:scrgbClr r="0" g="0" b="0"/>
+      </a:lnRef>
+      <a:fillRef idx="1">
+        <a:scrgbClr r="0" g="0" b="0"/>
+      </a:fillRef>
+      <a:effectRef idx="0">
+        <a:scrgbClr r="0" g="0" b="0"/>
+      </a:effectRef>
+      <a:fontRef idx="minor"/>
+    </dgm:style>
+  </dgm:styleLbl>
+  <dgm:styleLbl name="solidBgAcc1">
+    <dgm:scene3d>
+      <a:camera prst="orthographicFront"/>
+      <a:lightRig rig="threePt" dir="t"/>
+    </dgm:scene3d>
+    <dgm:sp3d/>
+    <dgm:txPr/>
+    <dgm:style>
+      <a:lnRef idx="2">
+        <a:scrgbClr r="0" g="0" b="0"/>
+      </a:lnRef>
+      <a:fillRef idx="1">
+        <a:scrgbClr r="0" g="0" b="0"/>
+      </a:fillRef>
+      <a:effectRef idx="0">
+        <a:scrgbClr r="0" g="0" b="0"/>
+      </a:effectRef>
+      <a:fontRef idx="minor"/>
+    </dgm:style>
+  </dgm:styleLbl>
+  <dgm:styleLbl name="fgAccFollowNode1">
+    <dgm:scene3d>
+      <a:camera prst="orthographicFront"/>
+      <a:lightRig rig="threePt" dir="t"/>
+    </dgm:scene3d>
+    <dgm:sp3d/>
+    <dgm:txPr/>
+    <dgm:style>
+      <a:lnRef idx="2">
+        <a:scrgbClr r="0" g="0" b="0"/>
+      </a:lnRef>
+      <a:fillRef idx="1">
+        <a:scrgbClr r="0" g="0" b="0"/>
+      </a:fillRef>
+      <a:effectRef idx="0">
+        <a:scrgbClr r="0" g="0" b="0"/>
+      </a:effectRef>
+      <a:fontRef idx="minor"/>
+    </dgm:style>
+  </dgm:styleLbl>
+  <dgm:styleLbl name="alignAccFollowNode1">
+    <dgm:scene3d>
+      <a:camera prst="orthographicFront"/>
+      <a:lightRig rig="threePt" dir="t"/>
+    </dgm:scene3d>
+    <dgm:sp3d/>
+    <dgm:txPr/>
+    <dgm:style>
+      <a:lnRef idx="2">
+        <a:scrgbClr r="0" g="0" b="0"/>
+      </a:lnRef>
+      <a:fillRef idx="1">
+        <a:scrgbClr r="0" g="0" b="0"/>
+      </a:fillRef>
+      <a:effectRef idx="0">
+        <a:scrgbClr r="0" g="0" b="0"/>
+      </a:effectRef>
+      <a:fontRef idx="minor"/>
+    </dgm:style>
+  </dgm:styleLbl>
+  <dgm:styleLbl name="bgAccFollowNode1">
+    <dgm:scene3d>
+      <a:camera prst="orthographicFront"/>
+      <a:lightRig rig="threePt" dir="t"/>
+    </dgm:scene3d>
+    <dgm:sp3d/>
+    <dgm:txPr/>
+    <dgm:style>
+      <a:lnRef idx="2">
+        <a:scrgbClr r="0" g="0" b="0"/>
+      </a:lnRef>
+      <a:fillRef idx="1">
+        <a:scrgbClr r="0" g="0" b="0"/>
+      </a:fillRef>
+      <a:effectRef idx="0">
+        <a:scrgbClr r="0" g="0" b="0"/>
+      </a:effectRef>
+      <a:fontRef idx="minor"/>
+    </dgm:style>
+  </dgm:styleLbl>
+  <dgm:styleLbl name="fgAcc0">
+    <dgm:scene3d>
+      <a:camera prst="orthographicFront"/>
+      <a:lightRig rig="threePt" dir="t"/>
+    </dgm:scene3d>
+    <dgm:sp3d/>
+    <dgm:txPr/>
+    <dgm:style>
+      <a:lnRef idx="2">
+        <a:scrgbClr r="0" g="0" b="0"/>
+      </a:lnRef>
+      <a:fillRef idx="1">
+        <a:scrgbClr r="0" g="0" b="0"/>
+      </a:fillRef>
+      <a:effectRef idx="0">
+        <a:scrgbClr r="0" g="0" b="0"/>
+      </a:effectRef>
+      <a:fontRef idx="minor"/>
+    </dgm:style>
+  </dgm:styleLbl>
+  <dgm:styleLbl name="fgAcc2">
+    <dgm:scene3d>
+      <a:camera prst="orthographicFront"/>
+      <a:lightRig rig="threePt" dir="t"/>
+    </dgm:scene3d>
+    <dgm:sp3d/>
+    <dgm:txPr/>
+    <dgm:style>
+      <a:lnRef idx="2">
+        <a:scrgbClr r="0" g="0" b="0"/>
+      </a:lnRef>
+      <a:fillRef idx="1">
+        <a:scrgbClr r="0" g="0" b="0"/>
+      </a:fillRef>
+      <a:effectRef idx="0">
+        <a:scrgbClr r="0" g="0" b="0"/>
+      </a:effectRef>
+      <a:fontRef idx="minor"/>
+    </dgm:style>
+  </dgm:styleLbl>
+  <dgm:styleLbl name="fgAcc3">
+    <dgm:scene3d>
+      <a:camera prst="orthographicFront"/>
+      <a:lightRig rig="threePt" dir="t"/>
+    </dgm:scene3d>
+    <dgm:sp3d/>
+    <dgm:txPr/>
+    <dgm:style>
+      <a:lnRef idx="2">
+        <a:scrgbClr r="0" g="0" b="0"/>
+      </a:lnRef>
+      <a:fillRef idx="1">
+        <a:scrgbClr r="0" g="0" b="0"/>
+      </a:fillRef>
+      <a:effectRef idx="0">
+        <a:scrgbClr r="0" g="0" b="0"/>
+      </a:effectRef>
+      <a:fontRef idx="minor"/>
+    </dgm:style>
+  </dgm:styleLbl>
+  <dgm:styleLbl name="fgAcc4">
+    <dgm:scene3d>
+      <a:camera prst="orthographicFront"/>
+      <a:lightRig rig="threePt" dir="t"/>
+    </dgm:scene3d>
+    <dgm:sp3d/>
+    <dgm:txPr/>
+    <dgm:style>
+      <a:lnRef idx="2">
+        <a:scrgbClr r="0" g="0" b="0"/>
+      </a:lnRef>
+      <a:fillRef idx="1">
+        <a:scrgbClr r="0" g="0" b="0"/>
+      </a:fillRef>
+      <a:effectRef idx="0">
+        <a:scrgbClr r="0" g="0" b="0"/>
+      </a:effectRef>
+      <a:fontRef idx="minor"/>
+    </dgm:style>
+  </dgm:styleLbl>
+  <dgm:styleLbl name="bgShp">
+    <dgm:scene3d>
+      <a:camera prst="orthographicFront"/>
+      <a:lightRig rig="threePt" dir="t"/>
+    </dgm:scene3d>
+    <dgm:sp3d/>
+    <dgm:txPr/>
+    <dgm:style>
+      <a:lnRef idx="0">
+        <a:scrgbClr r="0" g="0" b="0"/>
+      </a:lnRef>
+      <a:fillRef idx="1">
+        <a:scrgbClr r="0" g="0" b="0"/>
+      </a:fillRef>
+      <a:effectRef idx="0">
+        <a:scrgbClr r="0" g="0" b="0"/>
+      </a:effectRef>
+      <a:fontRef idx="minor"/>
+    </dgm:style>
+  </dgm:styleLbl>
+  <dgm:styleLbl name="dkBgShp">
+    <dgm:scene3d>
+      <a:camera prst="orthographicFront"/>
+      <a:lightRig rig="threePt" dir="t"/>
+    </dgm:scene3d>
+    <dgm:sp3d/>
+    <dgm:txPr/>
+    <dgm:style>
+      <a:lnRef idx="0">
+        <a:scrgbClr r="0" g="0" b="0"/>
+      </a:lnRef>
+      <a:fillRef idx="1">
+        <a:scrgbClr r="0" g="0" b="0"/>
+      </a:fillRef>
+      <a:effectRef idx="0">
+        <a:scrgbClr r="0" g="0" b="0"/>
+      </a:effectRef>
+      <a:fontRef idx="minor"/>
+    </dgm:style>
+  </dgm:styleLbl>
+  <dgm:styleLbl name="trBgShp">
+    <dgm:scene3d>
+      <a:camera prst="orthographicFront"/>
+      <a:lightRig rig="threePt" dir="t"/>
+    </dgm:scene3d>
+    <dgm:sp3d/>
+    <dgm:txPr/>
+    <dgm:style>
+      <a:lnRef idx="0">
+        <a:scrgbClr r="0" g="0" b="0"/>
+      </a:lnRef>
+      <a:fillRef idx="1">
+        <a:scrgbClr r="0" g="0" b="0"/>
+      </a:fillRef>
+      <a:effectRef idx="0">
+        <a:scrgbClr r="0" g="0" b="0"/>
+      </a:effectRef>
+      <a:fontRef idx="minor"/>
+    </dgm:style>
+  </dgm:styleLbl>
+  <dgm:styleLbl name="fgShp">
+    <dgm:scene3d>
+      <a:camera prst="orthographicFront"/>
+      <a:lightRig rig="threePt" dir="t"/>
+    </dgm:scene3d>
+    <dgm:sp3d/>
+    <dgm:txPr/>
+    <dgm:style>
+      <a:lnRef idx="2">
+        <a:scrgbClr r="0" g="0" b="0"/>
+      </a:lnRef>
+      <a:fillRef idx="1">
+        <a:scrgbClr r="0" g="0" b="0"/>
+      </a:fillRef>
+      <a:effectRef idx="0">
+        <a:scrgbClr r="0" g="0" b="0"/>
+      </a:effectRef>
+      <a:fontRef idx="minor"/>
+    </dgm:style>
+  </dgm:styleLbl>
+  <dgm:styleLbl name="revTx">
+    <dgm:scene3d>
+      <a:camera prst="orthographicFront"/>
+      <a:lightRig rig="threePt" dir="t"/>
+    </dgm:scene3d>
+    <dgm:sp3d/>
+    <dgm:txPr/>
+    <dgm:style>
+      <a:lnRef idx="0">
+        <a:scrgbClr r="0" g="0" b="0"/>
+      </a:lnRef>
+      <a:fillRef idx="0">
+        <a:scrgbClr r="0" g="0" b="0"/>
+      </a:fillRef>
+      <a:effectRef idx="0">
+        <a:scrgbClr r="0" g="0" b="0"/>
+      </a:effectRef>
+      <a:fontRef idx="minor"/>
+    </dgm:style>
+  </dgm:styleLbl>
+</dgm:styleDef>
+</file>
+
 <file path=ppt/notesMasters/notesMaster1.xml><?xml version="1.0" encoding="utf-8"?>
 <p:notesMaster xmlns:a="http://schemas.openxmlformats.org/drawingml/2006/main" xmlns:r="http://schemas.openxmlformats.org/officeDocument/2006/relationships" xmlns:p="http://schemas.openxmlformats.org/presentationml/2006/main">
   <p:cSld>
@@ -202,7 +3995,7 @@
           <a:p>
             <a:fld id="{D65F694E-C81C-44AE-B789-490986ED34B5}" type="datetimeFigureOut">
               <a:rPr lang="en-US" smtClean="0"/>
-              <a:t>12/2/2022</a:t>
+              <a:t>12/9/2022</a:t>
             </a:fld>
             <a:endParaRPr lang="en-US"/>
           </a:p>
@@ -1021,7 +4814,7 @@
           <a:p>
             <a:fld id="{46E4C6DD-3422-4226-A0D4-1C93BB88BB0B}" type="datetimeFigureOut">
               <a:rPr lang="en-US" smtClean="0"/>
-              <a:t>12/2/2022</a:t>
+              <a:t>12/9/2022</a:t>
             </a:fld>
             <a:endParaRPr lang="en-US"/>
           </a:p>
@@ -1191,7 +4984,7 @@
           <a:p>
             <a:fld id="{46E4C6DD-3422-4226-A0D4-1C93BB88BB0B}" type="datetimeFigureOut">
               <a:rPr lang="en-US" smtClean="0"/>
-              <a:t>12/2/2022</a:t>
+              <a:t>12/9/2022</a:t>
             </a:fld>
             <a:endParaRPr lang="en-US"/>
           </a:p>
@@ -1371,7 +5164,7 @@
           <a:p>
             <a:fld id="{46E4C6DD-3422-4226-A0D4-1C93BB88BB0B}" type="datetimeFigureOut">
               <a:rPr lang="en-US" smtClean="0"/>
-              <a:t>12/2/2022</a:t>
+              <a:t>12/9/2022</a:t>
             </a:fld>
             <a:endParaRPr lang="en-US"/>
           </a:p>
@@ -1541,7 +5334,7 @@
           <a:p>
             <a:fld id="{46E4C6DD-3422-4226-A0D4-1C93BB88BB0B}" type="datetimeFigureOut">
               <a:rPr lang="en-US" smtClean="0"/>
-              <a:t>12/2/2022</a:t>
+              <a:t>12/9/2022</a:t>
             </a:fld>
             <a:endParaRPr lang="en-US"/>
           </a:p>
@@ -1787,7 +5580,7 @@
           <a:p>
             <a:fld id="{46E4C6DD-3422-4226-A0D4-1C93BB88BB0B}" type="datetimeFigureOut">
               <a:rPr lang="en-US" smtClean="0"/>
-              <a:t>12/2/2022</a:t>
+              <a:t>12/9/2022</a:t>
             </a:fld>
             <a:endParaRPr lang="en-US"/>
           </a:p>
@@ -2019,7 +5812,7 @@
           <a:p>
             <a:fld id="{46E4C6DD-3422-4226-A0D4-1C93BB88BB0B}" type="datetimeFigureOut">
               <a:rPr lang="en-US" smtClean="0"/>
-              <a:t>12/2/2022</a:t>
+              <a:t>12/9/2022</a:t>
             </a:fld>
             <a:endParaRPr lang="en-US"/>
           </a:p>
@@ -2386,7 +6179,7 @@
           <a:p>
             <a:fld id="{46E4C6DD-3422-4226-A0D4-1C93BB88BB0B}" type="datetimeFigureOut">
               <a:rPr lang="en-US" smtClean="0"/>
-              <a:t>12/2/2022</a:t>
+              <a:t>12/9/2022</a:t>
             </a:fld>
             <a:endParaRPr lang="en-US"/>
           </a:p>
@@ -2504,7 +6297,7 @@
           <a:p>
             <a:fld id="{46E4C6DD-3422-4226-A0D4-1C93BB88BB0B}" type="datetimeFigureOut">
               <a:rPr lang="en-US" smtClean="0"/>
-              <a:t>12/2/2022</a:t>
+              <a:t>12/9/2022</a:t>
             </a:fld>
             <a:endParaRPr lang="en-US"/>
           </a:p>
@@ -2599,7 +6392,7 @@
           <a:p>
             <a:fld id="{46E4C6DD-3422-4226-A0D4-1C93BB88BB0B}" type="datetimeFigureOut">
               <a:rPr lang="en-US" smtClean="0"/>
-              <a:t>12/2/2022</a:t>
+              <a:t>12/9/2022</a:t>
             </a:fld>
             <a:endParaRPr lang="en-US"/>
           </a:p>
@@ -2876,7 +6669,7 @@
           <a:p>
             <a:fld id="{46E4C6DD-3422-4226-A0D4-1C93BB88BB0B}" type="datetimeFigureOut">
               <a:rPr lang="en-US" smtClean="0"/>
-              <a:t>12/2/2022</a:t>
+              <a:t>12/9/2022</a:t>
             </a:fld>
             <a:endParaRPr lang="en-US"/>
           </a:p>
@@ -3129,7 +6922,7 @@
           <a:p>
             <a:fld id="{46E4C6DD-3422-4226-A0D4-1C93BB88BB0B}" type="datetimeFigureOut">
               <a:rPr lang="en-US" smtClean="0"/>
-              <a:t>12/2/2022</a:t>
+              <a:t>12/9/2022</a:t>
             </a:fld>
             <a:endParaRPr lang="en-US"/>
           </a:p>
@@ -3342,7 +7135,7 @@
           <a:p>
             <a:fld id="{46E4C6DD-3422-4226-A0D4-1C93BB88BB0B}" type="datetimeFigureOut">
               <a:rPr lang="en-US" smtClean="0"/>
-              <a:t>12/2/2022</a:t>
+              <a:t>12/9/2022</a:t>
             </a:fld>
             <a:endParaRPr lang="en-US"/>
           </a:p>
@@ -4119,19 +7912,8 @@
                 <a:latin typeface="Courier New" panose="02070309020205020404" pitchFamily="49" charset="0"/>
                 <a:cs typeface="Courier New" panose="02070309020205020404" pitchFamily="49" charset="0"/>
               </a:rPr>
-              <a:t> 13          x = </a:t>
-            </a:r>
-            <a:r>
-              <a:rPr lang="en-US" b="1" dirty="0" smtClean="0">
-                <a:latin typeface="Courier New" panose="02070309020205020404" pitchFamily="49" charset="0"/>
-                <a:cs typeface="Courier New" panose="02070309020205020404" pitchFamily="49" charset="0"/>
-              </a:rPr>
-              <a:t>sum(y);</a:t>
-            </a:r>
-            <a:endParaRPr lang="en-US" b="1" dirty="0" smtClean="0">
-              <a:latin typeface="Courier New" panose="02070309020205020404" pitchFamily="49" charset="0"/>
-              <a:cs typeface="Courier New" panose="02070309020205020404" pitchFamily="49" charset="0"/>
-            </a:endParaRPr>
+              <a:t> 13          x = sum(y);</a:t>
+            </a:r>
           </a:p>
           <a:p>
             <a:r>
@@ -7311,19 +11093,8 @@
                 <a:latin typeface="Courier New" panose="02070309020205020404" pitchFamily="49" charset="0"/>
                 <a:cs typeface="Courier New" panose="02070309020205020404" pitchFamily="49" charset="0"/>
               </a:rPr>
-              <a:t> 13          x = </a:t>
-            </a:r>
-            <a:r>
-              <a:rPr lang="en-US" b="1" dirty="0" smtClean="0">
-                <a:latin typeface="Courier New" panose="02070309020205020404" pitchFamily="49" charset="0"/>
-                <a:cs typeface="Courier New" panose="02070309020205020404" pitchFamily="49" charset="0"/>
-              </a:rPr>
-              <a:t>sum(y);</a:t>
-            </a:r>
-            <a:endParaRPr lang="en-US" b="1" dirty="0" smtClean="0">
-              <a:latin typeface="Courier New" panose="02070309020205020404" pitchFamily="49" charset="0"/>
-              <a:cs typeface="Courier New" panose="02070309020205020404" pitchFamily="49" charset="0"/>
-            </a:endParaRPr>
+              <a:t> 13          x = sum(y);</a:t>
+            </a:r>
           </a:p>
           <a:p>
             <a:r>
@@ -8859,19 +12630,8 @@
                 <a:latin typeface="Courier New" panose="02070309020205020404" pitchFamily="49" charset="0"/>
                 <a:cs typeface="Courier New" panose="02070309020205020404" pitchFamily="49" charset="0"/>
               </a:rPr>
-              <a:t> 13          x = </a:t>
-            </a:r>
-            <a:r>
-              <a:rPr lang="en-US" b="1" dirty="0" smtClean="0">
-                <a:latin typeface="Courier New" panose="02070309020205020404" pitchFamily="49" charset="0"/>
-                <a:cs typeface="Courier New" panose="02070309020205020404" pitchFamily="49" charset="0"/>
-              </a:rPr>
-              <a:t>sum(y);</a:t>
-            </a:r>
-            <a:endParaRPr lang="en-US" b="1" dirty="0" smtClean="0">
-              <a:latin typeface="Courier New" panose="02070309020205020404" pitchFamily="49" charset="0"/>
-              <a:cs typeface="Courier New" panose="02070309020205020404" pitchFamily="49" charset="0"/>
-            </a:endParaRPr>
+              <a:t> 13          x = sum(y);</a:t>
+            </a:r>
           </a:p>
           <a:p>
             <a:r>
@@ -12386,19 +16146,8 @@
                 <a:latin typeface="Courier New" panose="02070309020205020404" pitchFamily="49" charset="0"/>
                 <a:cs typeface="Courier New" panose="02070309020205020404" pitchFamily="49" charset="0"/>
               </a:rPr>
-              <a:t> 13          x = </a:t>
-            </a:r>
-            <a:r>
-              <a:rPr lang="en-US" b="1" dirty="0" smtClean="0">
-                <a:latin typeface="Courier New" panose="02070309020205020404" pitchFamily="49" charset="0"/>
-                <a:cs typeface="Courier New" panose="02070309020205020404" pitchFamily="49" charset="0"/>
-              </a:rPr>
-              <a:t>sum(y);</a:t>
-            </a:r>
-            <a:endParaRPr lang="en-US" b="1" dirty="0" smtClean="0">
-              <a:latin typeface="Courier New" panose="02070309020205020404" pitchFamily="49" charset="0"/>
-              <a:cs typeface="Courier New" panose="02070309020205020404" pitchFamily="49" charset="0"/>
-            </a:endParaRPr>
+              <a:t> 13          x = sum(y);</a:t>
+            </a:r>
           </a:p>
           <a:p>
             <a:r>
@@ -14199,19 +17948,8 @@
                 <a:latin typeface="Courier New" panose="02070309020205020404" pitchFamily="49" charset="0"/>
                 <a:cs typeface="Courier New" panose="02070309020205020404" pitchFamily="49" charset="0"/>
               </a:rPr>
-              <a:t> 13          x = </a:t>
-            </a:r>
-            <a:r>
-              <a:rPr lang="en-US" b="1" dirty="0" smtClean="0">
-                <a:latin typeface="Courier New" panose="02070309020205020404" pitchFamily="49" charset="0"/>
-                <a:cs typeface="Courier New" panose="02070309020205020404" pitchFamily="49" charset="0"/>
-              </a:rPr>
-              <a:t>sum(y);</a:t>
-            </a:r>
-            <a:endParaRPr lang="en-US" b="1" dirty="0" smtClean="0">
-              <a:latin typeface="Courier New" panose="02070309020205020404" pitchFamily="49" charset="0"/>
-              <a:cs typeface="Courier New" panose="02070309020205020404" pitchFamily="49" charset="0"/>
-            </a:endParaRPr>
+              <a:t> 13          x = sum(y);</a:t>
+            </a:r>
           </a:p>
           <a:p>
             <a:r>
@@ -15119,6 +18857,444 @@
     <p:extLst>
       <p:ext uri="{BB962C8B-B14F-4D97-AF65-F5344CB8AC3E}">
         <p14:creationId xmlns:p14="http://schemas.microsoft.com/office/powerpoint/2010/main" val="3575177711"/>
+      </p:ext>
+    </p:extLst>
+  </p:cSld>
+  <p:clrMapOvr>
+    <a:masterClrMapping/>
+  </p:clrMapOvr>
+  <p:timing>
+    <p:tnLst>
+      <p:par>
+        <p:cTn id="1" dur="indefinite" restart="never" nodeType="tmRoot"/>
+      </p:par>
+    </p:tnLst>
+  </p:timing>
+</p:sld>
+</file>
+
+<file path=ppt/slides/slide7.xml><?xml version="1.0" encoding="utf-8"?>
+<p:sld xmlns:a="http://schemas.openxmlformats.org/drawingml/2006/main" xmlns:r="http://schemas.openxmlformats.org/officeDocument/2006/relationships" xmlns:p="http://schemas.openxmlformats.org/presentationml/2006/main">
+  <p:cSld>
+    <p:spTree>
+      <p:nvGrpSpPr>
+        <p:cNvPr id="1" name=""/>
+        <p:cNvGrpSpPr/>
+        <p:nvPr/>
+      </p:nvGrpSpPr>
+      <p:grpSpPr>
+        <a:xfrm>
+          <a:off x="0" y="0"/>
+          <a:ext cx="0" cy="0"/>
+          <a:chOff x="0" y="0"/>
+          <a:chExt cx="0" cy="0"/>
+        </a:xfrm>
+      </p:grpSpPr>
+      <p:sp>
+        <p:nvSpPr>
+          <p:cNvPr id="5" name="Title 4"/>
+          <p:cNvSpPr>
+            <a:spLocks noGrp="1"/>
+          </p:cNvSpPr>
+          <p:nvPr>
+            <p:ph type="title"/>
+          </p:nvPr>
+        </p:nvSpPr>
+        <p:spPr/>
+        <p:txBody>
+          <a:bodyPr/>
+          <a:lstStyle/>
+          <a:p>
+            <a:r>
+              <a:rPr lang="en-US" dirty="0" smtClean="0"/>
+              <a:t>A bit about recursion</a:t>
+            </a:r>
+            <a:endParaRPr lang="en-US" dirty="0"/>
+          </a:p>
+        </p:txBody>
+      </p:sp>
+      <p:sp>
+        <p:nvSpPr>
+          <p:cNvPr id="6" name="Text Placeholder 5"/>
+          <p:cNvSpPr>
+            <a:spLocks noGrp="1"/>
+          </p:cNvSpPr>
+          <p:nvPr>
+            <p:ph type="body" idx="1"/>
+          </p:nvPr>
+        </p:nvSpPr>
+        <p:spPr/>
+        <p:txBody>
+          <a:bodyPr/>
+          <a:lstStyle/>
+          <a:p>
+            <a:endParaRPr lang="en-US"/>
+          </a:p>
+        </p:txBody>
+      </p:sp>
+    </p:spTree>
+    <p:extLst>
+      <p:ext uri="{BB962C8B-B14F-4D97-AF65-F5344CB8AC3E}">
+        <p14:creationId xmlns:p14="http://schemas.microsoft.com/office/powerpoint/2010/main" val="1189830925"/>
+      </p:ext>
+    </p:extLst>
+  </p:cSld>
+  <p:clrMapOvr>
+    <a:masterClrMapping/>
+  </p:clrMapOvr>
+  <p:timing>
+    <p:tnLst>
+      <p:par>
+        <p:cTn id="1" dur="indefinite" restart="never" nodeType="tmRoot"/>
+      </p:par>
+    </p:tnLst>
+  </p:timing>
+</p:sld>
+</file>
+
+<file path=ppt/slides/slide8.xml><?xml version="1.0" encoding="utf-8"?>
+<p:sld xmlns:a="http://schemas.openxmlformats.org/drawingml/2006/main" xmlns:r="http://schemas.openxmlformats.org/officeDocument/2006/relationships" xmlns:p="http://schemas.openxmlformats.org/presentationml/2006/main">
+  <p:cSld>
+    <p:spTree>
+      <p:nvGrpSpPr>
+        <p:cNvPr id="1" name=""/>
+        <p:cNvGrpSpPr/>
+        <p:nvPr/>
+      </p:nvGrpSpPr>
+      <p:grpSpPr>
+        <a:xfrm>
+          <a:off x="0" y="0"/>
+          <a:ext cx="0" cy="0"/>
+          <a:chOff x="0" y="0"/>
+          <a:chExt cx="0" cy="0"/>
+        </a:xfrm>
+      </p:grpSpPr>
+      <p:graphicFrame>
+        <p:nvGraphicFramePr>
+          <p:cNvPr id="8" name="Content Placeholder 7"/>
+          <p:cNvGraphicFramePr>
+            <a:graphicFrameLocks noGrp="1"/>
+          </p:cNvGraphicFramePr>
+          <p:nvPr>
+            <p:ph idx="1"/>
+            <p:extLst>
+              <p:ext uri="{D42A27DB-BD31-4B8C-83A1-F6EECF244321}">
+                <p14:modId xmlns:p14="http://schemas.microsoft.com/office/powerpoint/2010/main" val="225001062"/>
+              </p:ext>
+            </p:extLst>
+          </p:nvPr>
+        </p:nvGraphicFramePr>
+        <p:xfrm>
+          <a:off x="4432301" y="-82550"/>
+          <a:ext cx="6923088" cy="6642100"/>
+        </p:xfrm>
+        <a:graphic>
+          <a:graphicData uri="http://schemas.openxmlformats.org/drawingml/2006/diagram">
+            <dgm:relIds xmlns:dgm="http://schemas.openxmlformats.org/drawingml/2006/diagram" xmlns:r="http://schemas.openxmlformats.org/officeDocument/2006/relationships" r:dm="rId2" r:lo="rId3" r:qs="rId4" r:cs="rId5"/>
+          </a:graphicData>
+        </a:graphic>
+      </p:graphicFrame>
+      <p:sp>
+        <p:nvSpPr>
+          <p:cNvPr id="18" name="Rectangle 17"/>
+          <p:cNvSpPr/>
+          <p:nvPr/>
+        </p:nvSpPr>
+        <p:spPr>
+          <a:xfrm>
+            <a:off x="4439282" y="987425"/>
+            <a:ext cx="7236535" cy="5368980"/>
+          </a:xfrm>
+          <a:prstGeom prst="rect">
+            <a:avLst/>
+          </a:prstGeom>
+          <a:ln>
+            <a:solidFill>
+              <a:schemeClr val="bg2"/>
+            </a:solidFill>
+          </a:ln>
+        </p:spPr>
+        <p:style>
+          <a:lnRef idx="2">
+            <a:schemeClr val="accent6"/>
+          </a:lnRef>
+          <a:fillRef idx="1">
+            <a:schemeClr val="lt1"/>
+          </a:fillRef>
+          <a:effectRef idx="0">
+            <a:schemeClr val="accent6"/>
+          </a:effectRef>
+          <a:fontRef idx="minor">
+            <a:schemeClr val="dk1"/>
+          </a:fontRef>
+        </p:style>
+        <p:txBody>
+          <a:bodyPr rtlCol="0" anchor="ctr"/>
+          <a:lstStyle/>
+          <a:p>
+            <a:pPr algn="ctr"/>
+            <a:endParaRPr lang="en-US"/>
+          </a:p>
+        </p:txBody>
+      </p:sp>
+      <p:sp>
+        <p:nvSpPr>
+          <p:cNvPr id="2" name="Title 1"/>
+          <p:cNvSpPr>
+            <a:spLocks noGrp="1"/>
+          </p:cNvSpPr>
+          <p:nvPr>
+            <p:ph type="title"/>
+          </p:nvPr>
+        </p:nvSpPr>
+        <p:spPr>
+          <a:xfrm>
+            <a:off x="121920" y="457200"/>
+            <a:ext cx="5559552" cy="530225"/>
+          </a:xfrm>
+        </p:spPr>
+        <p:txBody>
+          <a:bodyPr>
+            <a:normAutofit fontScale="90000"/>
+          </a:bodyPr>
+          <a:lstStyle/>
+          <a:p>
+            <a:r>
+              <a:rPr lang="en-US" dirty="0" smtClean="0"/>
+              <a:t>Visualizing the factorial </a:t>
+            </a:r>
+            <a:br>
+              <a:rPr lang="en-US" dirty="0" smtClean="0"/>
+            </a:br>
+            <a:r>
+              <a:rPr lang="en-US" dirty="0" smtClean="0"/>
+              <a:t>example</a:t>
+            </a:r>
+            <a:endParaRPr lang="en-US" dirty="0"/>
+          </a:p>
+        </p:txBody>
+      </p:sp>
+      <p:sp>
+        <p:nvSpPr>
+          <p:cNvPr id="4" name="Text Placeholder 3"/>
+          <p:cNvSpPr>
+            <a:spLocks noGrp="1"/>
+          </p:cNvSpPr>
+          <p:nvPr>
+            <p:ph type="body" sz="half" idx="2"/>
+          </p:nvPr>
+        </p:nvSpPr>
+        <p:spPr>
+          <a:xfrm>
+            <a:off x="0" y="1130808"/>
+            <a:ext cx="5376671" cy="5550408"/>
+          </a:xfrm>
+        </p:spPr>
+        <p:txBody>
+          <a:bodyPr>
+            <a:normAutofit/>
+          </a:bodyPr>
+          <a:lstStyle/>
+          <a:p>
+            <a:r>
+              <a:rPr lang="en-US" dirty="0"/>
+              <a:t> 1 #include &lt;</a:t>
+            </a:r>
+            <a:r>
+              <a:rPr lang="en-US" dirty="0" err="1"/>
+              <a:t>stdio.h</a:t>
+            </a:r>
+            <a:r>
+              <a:rPr lang="en-US" dirty="0"/>
+              <a:t>&gt;</a:t>
+            </a:r>
+          </a:p>
+          <a:p>
+            <a:r>
+              <a:rPr lang="en-US" dirty="0"/>
+              <a:t> 2</a:t>
+            </a:r>
+          </a:p>
+          <a:p>
+            <a:r>
+              <a:rPr lang="en-US" dirty="0"/>
+              <a:t> 3 </a:t>
+            </a:r>
+            <a:r>
+              <a:rPr lang="en-US" dirty="0" err="1"/>
+              <a:t>int</a:t>
+            </a:r>
+            <a:r>
+              <a:rPr lang="en-US" dirty="0"/>
+              <a:t> fact(</a:t>
+            </a:r>
+            <a:r>
+              <a:rPr lang="en-US" dirty="0" err="1"/>
+              <a:t>int</a:t>
+            </a:r>
+            <a:r>
+              <a:rPr lang="en-US" dirty="0"/>
+              <a:t> n){</a:t>
+            </a:r>
+          </a:p>
+          <a:p>
+            <a:r>
+              <a:rPr lang="en-US" dirty="0"/>
+              <a:t> 4      if (n == 0 )</a:t>
+            </a:r>
+          </a:p>
+          <a:p>
+            <a:r>
+              <a:rPr lang="en-US" dirty="0"/>
+              <a:t> 5              // we call this the base case or *non*-recursive case</a:t>
+            </a:r>
+          </a:p>
+          <a:p>
+            <a:r>
+              <a:rPr lang="en-US" dirty="0"/>
+              <a:t> 6              return 1;</a:t>
+            </a:r>
+          </a:p>
+          <a:p>
+            <a:r>
+              <a:rPr lang="en-US" dirty="0"/>
+              <a:t> 7      else</a:t>
+            </a:r>
+          </a:p>
+          <a:p>
+            <a:r>
+              <a:rPr lang="en-US" dirty="0"/>
+              <a:t> 8              // we call this the recursive case</a:t>
+            </a:r>
+          </a:p>
+          <a:p>
+            <a:r>
+              <a:rPr lang="en-US" dirty="0"/>
+              <a:t> 9              return n*fact(n-1);</a:t>
+            </a:r>
+          </a:p>
+          <a:p>
+            <a:r>
+              <a:rPr lang="en-US" dirty="0"/>
+              <a:t>10 }    </a:t>
+            </a:r>
+          </a:p>
+          <a:p>
+            <a:r>
+              <a:rPr lang="en-US" dirty="0"/>
+              <a:t>11 </a:t>
+            </a:r>
+            <a:r>
+              <a:rPr lang="en-US" dirty="0" err="1"/>
+              <a:t>int</a:t>
+            </a:r>
+            <a:r>
+              <a:rPr lang="en-US" dirty="0"/>
+              <a:t> main(){</a:t>
+            </a:r>
+          </a:p>
+          <a:p>
+            <a:r>
+              <a:rPr lang="en-US" dirty="0"/>
+              <a:t>12      </a:t>
+            </a:r>
+            <a:r>
+              <a:rPr lang="en-US" dirty="0" err="1"/>
+              <a:t>int</a:t>
+            </a:r>
+            <a:r>
+              <a:rPr lang="en-US" dirty="0"/>
+              <a:t> n=0;</a:t>
+            </a:r>
+          </a:p>
+          <a:p>
+            <a:r>
+              <a:rPr lang="en-US" dirty="0"/>
+              <a:t>13      </a:t>
+            </a:r>
+            <a:r>
+              <a:rPr lang="en-US" dirty="0" err="1"/>
+              <a:t>scanf</a:t>
+            </a:r>
+            <a:r>
+              <a:rPr lang="en-US" dirty="0"/>
+              <a:t>("%</a:t>
+            </a:r>
+            <a:r>
+              <a:rPr lang="en-US" dirty="0" err="1"/>
+              <a:t>d",&amp;n</a:t>
+            </a:r>
+            <a:r>
+              <a:rPr lang="en-US" dirty="0"/>
+              <a:t>);</a:t>
+            </a:r>
+          </a:p>
+          <a:p>
+            <a:r>
+              <a:rPr lang="en-US" dirty="0"/>
+              <a:t>14      v = fact(n); </a:t>
+            </a:r>
+          </a:p>
+          <a:p>
+            <a:r>
+              <a:rPr lang="en-US" dirty="0"/>
+              <a:t>15      </a:t>
+            </a:r>
+            <a:r>
+              <a:rPr lang="en-US" dirty="0" err="1"/>
+              <a:t>printf</a:t>
+            </a:r>
+            <a:r>
+              <a:rPr lang="en-US" dirty="0"/>
+              <a:t>(" main has n = %d ,  v = %d\n",</a:t>
+            </a:r>
+            <a:r>
+              <a:rPr lang="en-US" dirty="0" err="1"/>
+              <a:t>n,v</a:t>
+            </a:r>
+            <a:r>
+              <a:rPr lang="en-US" dirty="0"/>
+              <a:t>);</a:t>
+            </a:r>
+          </a:p>
+          <a:p>
+            <a:r>
+              <a:rPr lang="en-US" dirty="0"/>
+              <a:t>16 } </a:t>
+            </a:r>
+          </a:p>
+        </p:txBody>
+      </p:sp>
+      <p:sp>
+        <p:nvSpPr>
+          <p:cNvPr id="16" name="TextBox 15"/>
+          <p:cNvSpPr txBox="1"/>
+          <p:nvPr/>
+        </p:nvSpPr>
+        <p:spPr>
+          <a:xfrm>
+            <a:off x="4346917" y="457200"/>
+            <a:ext cx="184731" cy="369332"/>
+          </a:xfrm>
+          <a:prstGeom prst="rect">
+            <a:avLst/>
+          </a:prstGeom>
+          <a:noFill/>
+        </p:spPr>
+        <p:txBody>
+          <a:bodyPr wrap="none" rtlCol="0">
+            <a:spAutoFit/>
+          </a:bodyPr>
+          <a:lstStyle/>
+          <a:p>
+            <a:endParaRPr lang="en-US" dirty="0"/>
+          </a:p>
+        </p:txBody>
+      </p:sp>
+    </p:spTree>
+    <p:extLst>
+      <p:ext uri="{BB962C8B-B14F-4D97-AF65-F5344CB8AC3E}">
+        <p14:creationId xmlns:p14="http://schemas.microsoft.com/office/powerpoint/2010/main" val="101136163"/>
       </p:ext>
     </p:extLst>
   </p:cSld>
